--- a/1-2/CB1501010/Introduction to Electrical and Electronic Engineering/012/EE_2023_숙제4.pptx
+++ b/1-2/CB1501010/Introduction to Electrical and Electronic Engineering/012/EE_2023_숙제4.pptx
@@ -436,6 +436,11 @@
         </p:txBody>
       </p:sp>
     </p:spTree>
+    <p:extLst>
+      <p:ext uri="{BB962C8B-B14F-4D97-AF65-F5344CB8AC3E}">
+        <p14:creationId xmlns:p14="http://schemas.microsoft.com/office/powerpoint/2010/main" val="1"/>
+      </p:ext>
+    </p:extLst>
   </p:cSld>
   <p:clrMap bg1="lt1" tx1="dk1" bg2="lt2" tx2="dk2" accent1="accent1" accent2="accent2" accent3="accent3" accent4="accent4" accent5="accent5" accent6="accent6" hlink="hlink" folHlink="folHlink"/>
 </p:handoutMaster>
@@ -639,35 +644,35 @@
           <a:p>
             <a:pPr lvl="0"/>
             <a:r>
-              <a:rPr lang="ko-KR" altLang="en-US" noProof="0" smtClean="0"/>
+              <a:rPr lang="ko-KR" altLang="en-US" noProof="0"/>
               <a:t>마스터 텍스트 스타일을 편집합니다</a:t>
             </a:r>
           </a:p>
           <a:p>
             <a:pPr lvl="1"/>
             <a:r>
-              <a:rPr lang="ko-KR" altLang="en-US" noProof="0" smtClean="0"/>
+              <a:rPr lang="ko-KR" altLang="en-US" noProof="0"/>
               <a:t>둘째 수준</a:t>
             </a:r>
           </a:p>
           <a:p>
             <a:pPr lvl="2"/>
             <a:r>
-              <a:rPr lang="ko-KR" altLang="en-US" noProof="0" smtClean="0"/>
+              <a:rPr lang="ko-KR" altLang="en-US" noProof="0"/>
               <a:t>셋째 수준</a:t>
             </a:r>
           </a:p>
           <a:p>
             <a:pPr lvl="3"/>
             <a:r>
-              <a:rPr lang="ko-KR" altLang="en-US" noProof="0" smtClean="0"/>
+              <a:rPr lang="ko-KR" altLang="en-US" noProof="0"/>
               <a:t>넷째 수준</a:t>
             </a:r>
           </a:p>
           <a:p>
             <a:pPr lvl="4"/>
             <a:r>
-              <a:rPr lang="ko-KR" altLang="en-US" noProof="0" smtClean="0"/>
+              <a:rPr lang="ko-KR" altLang="en-US" noProof="0"/>
               <a:t>다섯째 수준</a:t>
             </a:r>
           </a:p>
@@ -1071,7 +1076,7 @@
             <a:pPr eaLnBrk="1" latinLnBrk="1" hangingPunct="1">
               <a:defRPr/>
             </a:pPr>
-            <a:endParaRPr lang="ko-KR" altLang="ko-KR" sz="1800" smtClean="0">
+            <a:endParaRPr lang="ko-KR" altLang="ko-KR" sz="1800">
               <a:solidFill>
                 <a:schemeClr val="bg1"/>
               </a:solidFill>
@@ -1396,14 +1401,14 @@
               <a:defRPr/>
             </a:pPr>
             <a:r>
-              <a:rPr lang="en-US" altLang="ko-KR" sz="1600" i="1" smtClean="0">
+              <a:rPr lang="en-US" altLang="ko-KR" sz="1600" i="1">
                 <a:solidFill>
                   <a:schemeClr val="bg1"/>
                 </a:solidFill>
               </a:rPr>
               <a:t>Pusan National University </a:t>
             </a:r>
-            <a:endParaRPr lang="en-US" altLang="ko-KR" sz="1000" smtClean="0">
+            <a:endParaRPr lang="en-US" altLang="ko-KR" sz="1000">
               <a:solidFill>
                 <a:schemeClr val="bg1"/>
               </a:solidFill>
@@ -1890,7 +1895,7 @@
               <a:defRPr/>
             </a:pPr>
             <a:r>
-              <a:rPr lang="en-US" altLang="ko-KR" sz="3400" i="1" smtClean="0">
+              <a:rPr lang="en-US" altLang="ko-KR" sz="3400" i="1">
                 <a:solidFill>
                   <a:srgbClr val="99CC00"/>
                 </a:solidFill>
@@ -2057,7 +2062,7 @@
               <a:defRPr/>
             </a:pPr>
             <a:r>
-              <a:rPr lang="en-US" altLang="ko-KR" sz="4600" i="1" smtClean="0">
+              <a:rPr lang="en-US" altLang="ko-KR" sz="4600" i="1">
                 <a:latin typeface="Arial Black" pitchFamily="34" charset="0"/>
               </a:rPr>
               <a:t>PNU</a:t>
@@ -2221,7 +2226,7 @@
               <a:defRPr/>
             </a:pPr>
             <a:r>
-              <a:rPr lang="en-US" altLang="ko-KR" sz="1600" i="1" smtClean="0">
+              <a:rPr lang="en-US" altLang="ko-KR" sz="1600" i="1">
                 <a:solidFill>
                   <a:schemeClr val="bg2"/>
                 </a:solidFill>
@@ -2230,7 +2235,7 @@
               <a:t> </a:t>
             </a:r>
             <a:r>
-              <a:rPr lang="ko-KR" altLang="en-US" sz="1600" i="1" smtClean="0">
+              <a:rPr lang="ko-KR" altLang="en-US" sz="1600" i="1">
                 <a:solidFill>
                   <a:schemeClr val="bg2"/>
                 </a:solidFill>
@@ -2354,7 +2359,18 @@
   <p:clrMapOvr>
     <a:masterClrMapping/>
   </p:clrMapOvr>
-  <p:transition spd="med"/>
+  <mc:AlternateContent xmlns:mc="http://schemas.openxmlformats.org/markup-compatibility/2006">
+    <mc:Choice xmlns:p159="http://schemas.microsoft.com/office/powerpoint/2015/09/main" Requires="p159">
+      <p:transition>
+        <p159:morph option="byChar"/>
+      </p:transition>
+    </mc:Choice>
+    <mc:Fallback>
+      <p:transition>
+        <p:fade/>
+      </p:transition>
+    </mc:Fallback>
+  </mc:AlternateContent>
 </p:sldLayout>
 </file>
 
@@ -2396,10 +2412,9 @@
           <a:lstStyle/>
           <a:p>
             <a:r>
-              <a:rPr lang="ko-KR" altLang="en-US" smtClean="0"/>
+              <a:rPr lang="ko-KR" altLang="en-US"/>
               <a:t>마스터 제목 스타일 편집</a:t>
             </a:r>
-            <a:endParaRPr lang="ko-KR" altLang="en-US"/>
           </a:p>
         </p:txBody>
       </p:sp>
@@ -2425,38 +2440,37 @@
           <a:p>
             <a:pPr lvl="0"/>
             <a:r>
-              <a:rPr lang="ko-KR" altLang="en-US" smtClean="0"/>
+              <a:rPr lang="ko-KR" altLang="en-US"/>
               <a:t>마스터 텍스트 스타일을 편집합니다</a:t>
             </a:r>
           </a:p>
           <a:p>
             <a:pPr lvl="1"/>
             <a:r>
-              <a:rPr lang="ko-KR" altLang="en-US" smtClean="0"/>
+              <a:rPr lang="ko-KR" altLang="en-US"/>
               <a:t>둘째 수준</a:t>
             </a:r>
           </a:p>
           <a:p>
             <a:pPr lvl="2"/>
             <a:r>
-              <a:rPr lang="ko-KR" altLang="en-US" smtClean="0"/>
+              <a:rPr lang="ko-KR" altLang="en-US"/>
               <a:t>셋째 수준</a:t>
             </a:r>
           </a:p>
           <a:p>
             <a:pPr lvl="3"/>
             <a:r>
-              <a:rPr lang="ko-KR" altLang="en-US" smtClean="0"/>
+              <a:rPr lang="ko-KR" altLang="en-US"/>
               <a:t>넷째 수준</a:t>
             </a:r>
           </a:p>
           <a:p>
             <a:pPr lvl="4"/>
             <a:r>
-              <a:rPr lang="ko-KR" altLang="en-US" smtClean="0"/>
+              <a:rPr lang="ko-KR" altLang="en-US"/>
               <a:t>다섯째 수준</a:t>
             </a:r>
-            <a:endParaRPr lang="ko-KR" altLang="en-US"/>
           </a:p>
         </p:txBody>
       </p:sp>
@@ -2470,7 +2484,18 @@
   <p:clrMapOvr>
     <a:masterClrMapping/>
   </p:clrMapOvr>
-  <p:transition spd="med"/>
+  <mc:AlternateContent xmlns:mc="http://schemas.openxmlformats.org/markup-compatibility/2006">
+    <mc:Choice xmlns:p159="http://schemas.microsoft.com/office/powerpoint/2015/09/main" Requires="p159">
+      <p:transition>
+        <p159:morph option="byChar"/>
+      </p:transition>
+    </mc:Choice>
+    <mc:Fallback>
+      <p:transition>
+        <p:fade/>
+      </p:transition>
+    </mc:Fallback>
+  </mc:AlternateContent>
 </p:sldLayout>
 </file>
 
@@ -2512,10 +2537,9 @@
           <a:lstStyle/>
           <a:p>
             <a:r>
-              <a:rPr lang="ko-KR" altLang="en-US" smtClean="0"/>
+              <a:rPr lang="ko-KR" altLang="en-US"/>
               <a:t>마스터 제목 스타일 편집</a:t>
             </a:r>
-            <a:endParaRPr lang="ko-KR" altLang="en-US"/>
           </a:p>
         </p:txBody>
       </p:sp>
@@ -2541,38 +2565,37 @@
           <a:p>
             <a:pPr lvl="0"/>
             <a:r>
-              <a:rPr lang="ko-KR" altLang="en-US" smtClean="0"/>
+              <a:rPr lang="ko-KR" altLang="en-US"/>
               <a:t>마스터 텍스트 스타일을 편집합니다</a:t>
             </a:r>
           </a:p>
           <a:p>
             <a:pPr lvl="1"/>
             <a:r>
-              <a:rPr lang="ko-KR" altLang="en-US" smtClean="0"/>
+              <a:rPr lang="ko-KR" altLang="en-US"/>
               <a:t>둘째 수준</a:t>
             </a:r>
           </a:p>
           <a:p>
             <a:pPr lvl="2"/>
             <a:r>
-              <a:rPr lang="ko-KR" altLang="en-US" smtClean="0"/>
+              <a:rPr lang="ko-KR" altLang="en-US"/>
               <a:t>셋째 수준</a:t>
             </a:r>
           </a:p>
           <a:p>
             <a:pPr lvl="3"/>
             <a:r>
-              <a:rPr lang="ko-KR" altLang="en-US" smtClean="0"/>
+              <a:rPr lang="ko-KR" altLang="en-US"/>
               <a:t>넷째 수준</a:t>
             </a:r>
           </a:p>
           <a:p>
             <a:pPr lvl="4"/>
             <a:r>
-              <a:rPr lang="ko-KR" altLang="en-US" smtClean="0"/>
+              <a:rPr lang="ko-KR" altLang="en-US"/>
               <a:t>다섯째 수준</a:t>
             </a:r>
-            <a:endParaRPr lang="ko-KR" altLang="en-US"/>
           </a:p>
         </p:txBody>
       </p:sp>
@@ -2598,38 +2621,37 @@
           <a:p>
             <a:pPr lvl="0"/>
             <a:r>
-              <a:rPr lang="ko-KR" altLang="en-US" smtClean="0"/>
+              <a:rPr lang="ko-KR" altLang="en-US"/>
               <a:t>마스터 텍스트 스타일을 편집합니다</a:t>
             </a:r>
           </a:p>
           <a:p>
             <a:pPr lvl="1"/>
             <a:r>
-              <a:rPr lang="ko-KR" altLang="en-US" smtClean="0"/>
+              <a:rPr lang="ko-KR" altLang="en-US"/>
               <a:t>둘째 수준</a:t>
             </a:r>
           </a:p>
           <a:p>
             <a:pPr lvl="2"/>
             <a:r>
-              <a:rPr lang="ko-KR" altLang="en-US" smtClean="0"/>
+              <a:rPr lang="ko-KR" altLang="en-US"/>
               <a:t>셋째 수준</a:t>
             </a:r>
           </a:p>
           <a:p>
             <a:pPr lvl="3"/>
             <a:r>
-              <a:rPr lang="ko-KR" altLang="en-US" smtClean="0"/>
+              <a:rPr lang="ko-KR" altLang="en-US"/>
               <a:t>넷째 수준</a:t>
             </a:r>
           </a:p>
           <a:p>
             <a:pPr lvl="4"/>
             <a:r>
-              <a:rPr lang="ko-KR" altLang="en-US" smtClean="0"/>
+              <a:rPr lang="ko-KR" altLang="en-US"/>
               <a:t>다섯째 수준</a:t>
             </a:r>
-            <a:endParaRPr lang="ko-KR" altLang="en-US"/>
           </a:p>
         </p:txBody>
       </p:sp>
@@ -2643,7 +2665,18 @@
   <p:clrMapOvr>
     <a:masterClrMapping/>
   </p:clrMapOvr>
-  <p:transition spd="med"/>
+  <mc:AlternateContent xmlns:mc="http://schemas.openxmlformats.org/markup-compatibility/2006">
+    <mc:Choice xmlns:p159="http://schemas.microsoft.com/office/powerpoint/2015/09/main" Requires="p159">
+      <p:transition>
+        <p159:morph option="byChar"/>
+      </p:transition>
+    </mc:Choice>
+    <mc:Fallback>
+      <p:transition>
+        <p:fade/>
+      </p:transition>
+    </mc:Fallback>
+  </mc:AlternateContent>
 </p:sldLayout>
 </file>
 
@@ -2685,10 +2718,9 @@
           <a:lstStyle/>
           <a:p>
             <a:r>
-              <a:rPr lang="ko-KR" altLang="en-US" smtClean="0"/>
+              <a:rPr lang="ko-KR" altLang="en-US"/>
               <a:t>마스터 제목 스타일 편집</a:t>
             </a:r>
-            <a:endParaRPr lang="ko-KR" altLang="en-US"/>
           </a:p>
         </p:txBody>
       </p:sp>
@@ -2714,38 +2746,37 @@
           <a:p>
             <a:pPr lvl="0"/>
             <a:r>
-              <a:rPr lang="ko-KR" altLang="en-US" smtClean="0"/>
+              <a:rPr lang="ko-KR" altLang="en-US"/>
               <a:t>마스터 텍스트 스타일을 편집합니다</a:t>
             </a:r>
           </a:p>
           <a:p>
             <a:pPr lvl="1"/>
             <a:r>
-              <a:rPr lang="ko-KR" altLang="en-US" smtClean="0"/>
+              <a:rPr lang="ko-KR" altLang="en-US"/>
               <a:t>둘째 수준</a:t>
             </a:r>
           </a:p>
           <a:p>
             <a:pPr lvl="2"/>
             <a:r>
-              <a:rPr lang="ko-KR" altLang="en-US" smtClean="0"/>
+              <a:rPr lang="ko-KR" altLang="en-US"/>
               <a:t>셋째 수준</a:t>
             </a:r>
           </a:p>
           <a:p>
             <a:pPr lvl="3"/>
             <a:r>
-              <a:rPr lang="ko-KR" altLang="en-US" smtClean="0"/>
+              <a:rPr lang="ko-KR" altLang="en-US"/>
               <a:t>넷째 수준</a:t>
             </a:r>
           </a:p>
           <a:p>
             <a:pPr lvl="4"/>
             <a:r>
-              <a:rPr lang="ko-KR" altLang="en-US" smtClean="0"/>
+              <a:rPr lang="ko-KR" altLang="en-US"/>
               <a:t>다섯째 수준</a:t>
             </a:r>
-            <a:endParaRPr lang="ko-KR" altLang="en-US"/>
           </a:p>
         </p:txBody>
       </p:sp>
@@ -2771,38 +2802,37 @@
           <a:p>
             <a:pPr lvl="0"/>
             <a:r>
-              <a:rPr lang="ko-KR" altLang="en-US" smtClean="0"/>
+              <a:rPr lang="ko-KR" altLang="en-US"/>
               <a:t>마스터 텍스트 스타일을 편집합니다</a:t>
             </a:r>
           </a:p>
           <a:p>
             <a:pPr lvl="1"/>
             <a:r>
-              <a:rPr lang="ko-KR" altLang="en-US" smtClean="0"/>
+              <a:rPr lang="ko-KR" altLang="en-US"/>
               <a:t>둘째 수준</a:t>
             </a:r>
           </a:p>
           <a:p>
             <a:pPr lvl="2"/>
             <a:r>
-              <a:rPr lang="ko-KR" altLang="en-US" smtClean="0"/>
+              <a:rPr lang="ko-KR" altLang="en-US"/>
               <a:t>셋째 수준</a:t>
             </a:r>
           </a:p>
           <a:p>
             <a:pPr lvl="3"/>
             <a:r>
-              <a:rPr lang="ko-KR" altLang="en-US" smtClean="0"/>
+              <a:rPr lang="ko-KR" altLang="en-US"/>
               <a:t>넷째 수준</a:t>
             </a:r>
           </a:p>
           <a:p>
             <a:pPr lvl="4"/>
             <a:r>
-              <a:rPr lang="ko-KR" altLang="en-US" smtClean="0"/>
+              <a:rPr lang="ko-KR" altLang="en-US"/>
               <a:t>다섯째 수준</a:t>
             </a:r>
-            <a:endParaRPr lang="ko-KR" altLang="en-US"/>
           </a:p>
         </p:txBody>
       </p:sp>
@@ -2828,38 +2858,37 @@
           <a:p>
             <a:pPr lvl="0"/>
             <a:r>
-              <a:rPr lang="ko-KR" altLang="en-US" smtClean="0"/>
+              <a:rPr lang="ko-KR" altLang="en-US"/>
               <a:t>마스터 텍스트 스타일을 편집합니다</a:t>
             </a:r>
           </a:p>
           <a:p>
             <a:pPr lvl="1"/>
             <a:r>
-              <a:rPr lang="ko-KR" altLang="en-US" smtClean="0"/>
+              <a:rPr lang="ko-KR" altLang="en-US"/>
               <a:t>둘째 수준</a:t>
             </a:r>
           </a:p>
           <a:p>
             <a:pPr lvl="2"/>
             <a:r>
-              <a:rPr lang="ko-KR" altLang="en-US" smtClean="0"/>
+              <a:rPr lang="ko-KR" altLang="en-US"/>
               <a:t>셋째 수준</a:t>
             </a:r>
           </a:p>
           <a:p>
             <a:pPr lvl="3"/>
             <a:r>
-              <a:rPr lang="ko-KR" altLang="en-US" smtClean="0"/>
+              <a:rPr lang="ko-KR" altLang="en-US"/>
               <a:t>넷째 수준</a:t>
             </a:r>
           </a:p>
           <a:p>
             <a:pPr lvl="4"/>
             <a:r>
-              <a:rPr lang="ko-KR" altLang="en-US" smtClean="0"/>
+              <a:rPr lang="ko-KR" altLang="en-US"/>
               <a:t>다섯째 수준</a:t>
             </a:r>
-            <a:endParaRPr lang="ko-KR" altLang="en-US"/>
           </a:p>
         </p:txBody>
       </p:sp>
@@ -2873,7 +2902,18 @@
   <p:clrMapOvr>
     <a:masterClrMapping/>
   </p:clrMapOvr>
-  <p:transition spd="med"/>
+  <mc:AlternateContent xmlns:mc="http://schemas.openxmlformats.org/markup-compatibility/2006">
+    <mc:Choice xmlns:p159="http://schemas.microsoft.com/office/powerpoint/2015/09/main" Requires="p159">
+      <p:transition>
+        <p159:morph option="byChar"/>
+      </p:transition>
+    </mc:Choice>
+    <mc:Fallback>
+      <p:transition>
+        <p:fade/>
+      </p:transition>
+    </mc:Fallback>
+  </mc:AlternateContent>
 </p:sldLayout>
 </file>
 
@@ -2915,10 +2955,9 @@
           <a:lstStyle/>
           <a:p>
             <a:r>
-              <a:rPr lang="ko-KR" altLang="en-US" smtClean="0"/>
+              <a:rPr lang="ko-KR" altLang="en-US"/>
               <a:t>마스터 제목 스타일 편집</a:t>
             </a:r>
-            <a:endParaRPr lang="ko-KR" altLang="en-US"/>
           </a:p>
         </p:txBody>
       </p:sp>
@@ -2980,10 +3019,9 @@
           </a:lstStyle>
           <a:p>
             <a:r>
-              <a:rPr lang="ko-KR" altLang="en-US" smtClean="0"/>
+              <a:rPr lang="ko-KR" altLang="en-US"/>
               <a:t>마스터 부제목 스타일 편집</a:t>
             </a:r>
-            <a:endParaRPr lang="ko-KR" altLang="en-US"/>
           </a:p>
         </p:txBody>
       </p:sp>
@@ -2997,7 +3035,18 @@
   <p:clrMapOvr>
     <a:masterClrMapping/>
   </p:clrMapOvr>
-  <p:transition spd="med"/>
+  <mc:AlternateContent xmlns:mc="http://schemas.openxmlformats.org/markup-compatibility/2006">
+    <mc:Choice xmlns:p159="http://schemas.microsoft.com/office/powerpoint/2015/09/main" Requires="p159">
+      <p:transition>
+        <p159:morph option="byChar"/>
+      </p:transition>
+    </mc:Choice>
+    <mc:Fallback>
+      <p:transition>
+        <p:fade/>
+      </p:transition>
+    </mc:Fallback>
+  </mc:AlternateContent>
 </p:sldLayout>
 </file>
 
@@ -3034,10 +3083,9 @@
           <a:lstStyle/>
           <a:p>
             <a:r>
-              <a:rPr lang="ko-KR" altLang="en-US" smtClean="0"/>
+              <a:rPr lang="ko-KR" altLang="en-US"/>
               <a:t>마스터 제목 스타일 편집</a:t>
             </a:r>
-            <a:endParaRPr lang="ko-KR" altLang="en-US"/>
           </a:p>
         </p:txBody>
       </p:sp>
@@ -3058,38 +3106,37 @@
           <a:p>
             <a:pPr lvl="0"/>
             <a:r>
-              <a:rPr lang="ko-KR" altLang="en-US" smtClean="0"/>
+              <a:rPr lang="ko-KR" altLang="en-US"/>
               <a:t>마스터 텍스트 스타일을 편집합니다</a:t>
             </a:r>
           </a:p>
           <a:p>
             <a:pPr lvl="1"/>
             <a:r>
-              <a:rPr lang="ko-KR" altLang="en-US" smtClean="0"/>
+              <a:rPr lang="ko-KR" altLang="en-US"/>
               <a:t>둘째 수준</a:t>
             </a:r>
           </a:p>
           <a:p>
             <a:pPr lvl="2"/>
             <a:r>
-              <a:rPr lang="ko-KR" altLang="en-US" smtClean="0"/>
+              <a:rPr lang="ko-KR" altLang="en-US"/>
               <a:t>셋째 수준</a:t>
             </a:r>
           </a:p>
           <a:p>
             <a:pPr lvl="3"/>
             <a:r>
-              <a:rPr lang="ko-KR" altLang="en-US" smtClean="0"/>
+              <a:rPr lang="ko-KR" altLang="en-US"/>
               <a:t>넷째 수준</a:t>
             </a:r>
           </a:p>
           <a:p>
             <a:pPr lvl="4"/>
             <a:r>
-              <a:rPr lang="ko-KR" altLang="en-US" smtClean="0"/>
+              <a:rPr lang="ko-KR" altLang="en-US"/>
               <a:t>다섯째 수준</a:t>
             </a:r>
-            <a:endParaRPr lang="ko-KR" altLang="en-US"/>
           </a:p>
         </p:txBody>
       </p:sp>
@@ -3103,7 +3150,18 @@
   <p:clrMapOvr>
     <a:masterClrMapping/>
   </p:clrMapOvr>
-  <p:transition spd="med"/>
+  <mc:AlternateContent xmlns:mc="http://schemas.openxmlformats.org/markup-compatibility/2006">
+    <mc:Choice xmlns:p159="http://schemas.microsoft.com/office/powerpoint/2015/09/main" Requires="p159">
+      <p:transition>
+        <p159:morph option="byChar"/>
+      </p:transition>
+    </mc:Choice>
+    <mc:Fallback>
+      <p:transition>
+        <p:fade/>
+      </p:transition>
+    </mc:Fallback>
+  </mc:AlternateContent>
 </p:sldLayout>
 </file>
 
@@ -3149,10 +3207,9 @@
           </a:lstStyle>
           <a:p>
             <a:r>
-              <a:rPr lang="ko-KR" altLang="en-US" smtClean="0"/>
+              <a:rPr lang="ko-KR" altLang="en-US"/>
               <a:t>마스터 제목 스타일 편집</a:t>
             </a:r>
-            <a:endParaRPr lang="ko-KR" altLang="en-US"/>
           </a:p>
         </p:txBody>
       </p:sp>
@@ -3215,7 +3272,7 @@
           <a:p>
             <a:pPr lvl="0"/>
             <a:r>
-              <a:rPr lang="ko-KR" altLang="en-US" smtClean="0"/>
+              <a:rPr lang="ko-KR" altLang="en-US"/>
               <a:t>마스터 텍스트 스타일을 편집합니다</a:t>
             </a:r>
           </a:p>
@@ -3231,7 +3288,18 @@
   <p:clrMapOvr>
     <a:masterClrMapping/>
   </p:clrMapOvr>
-  <p:transition spd="med"/>
+  <mc:AlternateContent xmlns:mc="http://schemas.openxmlformats.org/markup-compatibility/2006">
+    <mc:Choice xmlns:p159="http://schemas.microsoft.com/office/powerpoint/2015/09/main" Requires="p159">
+      <p:transition>
+        <p159:morph option="byChar"/>
+      </p:transition>
+    </mc:Choice>
+    <mc:Fallback>
+      <p:transition>
+        <p:fade/>
+      </p:transition>
+    </mc:Fallback>
+  </mc:AlternateContent>
 </p:sldLayout>
 </file>
 
@@ -3268,10 +3336,9 @@
           <a:lstStyle/>
           <a:p>
             <a:r>
-              <a:rPr lang="ko-KR" altLang="en-US" smtClean="0"/>
+              <a:rPr lang="ko-KR" altLang="en-US"/>
               <a:t>마스터 제목 스타일 편집</a:t>
             </a:r>
-            <a:endParaRPr lang="ko-KR" altLang="en-US"/>
           </a:p>
         </p:txBody>
       </p:sp>
@@ -3325,38 +3392,37 @@
           <a:p>
             <a:pPr lvl="0"/>
             <a:r>
-              <a:rPr lang="ko-KR" altLang="en-US" smtClean="0"/>
+              <a:rPr lang="ko-KR" altLang="en-US"/>
               <a:t>마스터 텍스트 스타일을 편집합니다</a:t>
             </a:r>
           </a:p>
           <a:p>
             <a:pPr lvl="1"/>
             <a:r>
-              <a:rPr lang="ko-KR" altLang="en-US" smtClean="0"/>
+              <a:rPr lang="ko-KR" altLang="en-US"/>
               <a:t>둘째 수준</a:t>
             </a:r>
           </a:p>
           <a:p>
             <a:pPr lvl="2"/>
             <a:r>
-              <a:rPr lang="ko-KR" altLang="en-US" smtClean="0"/>
+              <a:rPr lang="ko-KR" altLang="en-US"/>
               <a:t>셋째 수준</a:t>
             </a:r>
           </a:p>
           <a:p>
             <a:pPr lvl="3"/>
             <a:r>
-              <a:rPr lang="ko-KR" altLang="en-US" smtClean="0"/>
+              <a:rPr lang="ko-KR" altLang="en-US"/>
               <a:t>넷째 수준</a:t>
             </a:r>
           </a:p>
           <a:p>
             <a:pPr lvl="4"/>
             <a:r>
-              <a:rPr lang="ko-KR" altLang="en-US" smtClean="0"/>
+              <a:rPr lang="ko-KR" altLang="en-US"/>
               <a:t>다섯째 수준</a:t>
             </a:r>
-            <a:endParaRPr lang="ko-KR" altLang="en-US"/>
           </a:p>
         </p:txBody>
       </p:sp>
@@ -3410,38 +3476,37 @@
           <a:p>
             <a:pPr lvl="0"/>
             <a:r>
-              <a:rPr lang="ko-KR" altLang="en-US" smtClean="0"/>
+              <a:rPr lang="ko-KR" altLang="en-US"/>
               <a:t>마스터 텍스트 스타일을 편집합니다</a:t>
             </a:r>
           </a:p>
           <a:p>
             <a:pPr lvl="1"/>
             <a:r>
-              <a:rPr lang="ko-KR" altLang="en-US" smtClean="0"/>
+              <a:rPr lang="ko-KR" altLang="en-US"/>
               <a:t>둘째 수준</a:t>
             </a:r>
           </a:p>
           <a:p>
             <a:pPr lvl="2"/>
             <a:r>
-              <a:rPr lang="ko-KR" altLang="en-US" smtClean="0"/>
+              <a:rPr lang="ko-KR" altLang="en-US"/>
               <a:t>셋째 수준</a:t>
             </a:r>
           </a:p>
           <a:p>
             <a:pPr lvl="3"/>
             <a:r>
-              <a:rPr lang="ko-KR" altLang="en-US" smtClean="0"/>
+              <a:rPr lang="ko-KR" altLang="en-US"/>
               <a:t>넷째 수준</a:t>
             </a:r>
           </a:p>
           <a:p>
             <a:pPr lvl="4"/>
             <a:r>
-              <a:rPr lang="ko-KR" altLang="en-US" smtClean="0"/>
+              <a:rPr lang="ko-KR" altLang="en-US"/>
               <a:t>다섯째 수준</a:t>
             </a:r>
-            <a:endParaRPr lang="ko-KR" altLang="en-US"/>
           </a:p>
         </p:txBody>
       </p:sp>
@@ -3455,7 +3520,18 @@
   <p:clrMapOvr>
     <a:masterClrMapping/>
   </p:clrMapOvr>
-  <p:transition spd="med"/>
+  <mc:AlternateContent xmlns:mc="http://schemas.openxmlformats.org/markup-compatibility/2006">
+    <mc:Choice xmlns:p159="http://schemas.microsoft.com/office/powerpoint/2015/09/main" Requires="p159">
+      <p:transition>
+        <p159:morph option="byChar"/>
+      </p:transition>
+    </mc:Choice>
+    <mc:Fallback>
+      <p:transition>
+        <p:fade/>
+      </p:transition>
+    </mc:Fallback>
+  </mc:AlternateContent>
 </p:sldLayout>
 </file>
 
@@ -3501,10 +3577,9 @@
           </a:lstStyle>
           <a:p>
             <a:r>
-              <a:rPr lang="ko-KR" altLang="en-US" smtClean="0"/>
+              <a:rPr lang="ko-KR" altLang="en-US"/>
               <a:t>마스터 제목 스타일 편집</a:t>
             </a:r>
-            <a:endParaRPr lang="ko-KR" altLang="en-US"/>
           </a:p>
         </p:txBody>
       </p:sp>
@@ -3567,7 +3642,7 @@
           <a:p>
             <a:pPr lvl="0"/>
             <a:r>
-              <a:rPr lang="ko-KR" altLang="en-US" smtClean="0"/>
+              <a:rPr lang="ko-KR" altLang="en-US"/>
               <a:t>마스터 텍스트 스타일을 편집합니다</a:t>
             </a:r>
           </a:p>
@@ -3623,38 +3698,37 @@
           <a:p>
             <a:pPr lvl="0"/>
             <a:r>
-              <a:rPr lang="ko-KR" altLang="en-US" smtClean="0"/>
+              <a:rPr lang="ko-KR" altLang="en-US"/>
               <a:t>마스터 텍스트 스타일을 편집합니다</a:t>
             </a:r>
           </a:p>
           <a:p>
             <a:pPr lvl="1"/>
             <a:r>
-              <a:rPr lang="ko-KR" altLang="en-US" smtClean="0"/>
+              <a:rPr lang="ko-KR" altLang="en-US"/>
               <a:t>둘째 수준</a:t>
             </a:r>
           </a:p>
           <a:p>
             <a:pPr lvl="2"/>
             <a:r>
-              <a:rPr lang="ko-KR" altLang="en-US" smtClean="0"/>
+              <a:rPr lang="ko-KR" altLang="en-US"/>
               <a:t>셋째 수준</a:t>
             </a:r>
           </a:p>
           <a:p>
             <a:pPr lvl="3"/>
             <a:r>
-              <a:rPr lang="ko-KR" altLang="en-US" smtClean="0"/>
+              <a:rPr lang="ko-KR" altLang="en-US"/>
               <a:t>넷째 수준</a:t>
             </a:r>
           </a:p>
           <a:p>
             <a:pPr lvl="4"/>
             <a:r>
-              <a:rPr lang="ko-KR" altLang="en-US" smtClean="0"/>
+              <a:rPr lang="ko-KR" altLang="en-US"/>
               <a:t>다섯째 수준</a:t>
             </a:r>
-            <a:endParaRPr lang="ko-KR" altLang="en-US"/>
           </a:p>
         </p:txBody>
       </p:sp>
@@ -3717,7 +3791,7 @@
           <a:p>
             <a:pPr lvl="0"/>
             <a:r>
-              <a:rPr lang="ko-KR" altLang="en-US" smtClean="0"/>
+              <a:rPr lang="ko-KR" altLang="en-US"/>
               <a:t>마스터 텍스트 스타일을 편집합니다</a:t>
             </a:r>
           </a:p>
@@ -3773,38 +3847,37 @@
           <a:p>
             <a:pPr lvl="0"/>
             <a:r>
-              <a:rPr lang="ko-KR" altLang="en-US" smtClean="0"/>
+              <a:rPr lang="ko-KR" altLang="en-US"/>
               <a:t>마스터 텍스트 스타일을 편집합니다</a:t>
             </a:r>
           </a:p>
           <a:p>
             <a:pPr lvl="1"/>
             <a:r>
-              <a:rPr lang="ko-KR" altLang="en-US" smtClean="0"/>
+              <a:rPr lang="ko-KR" altLang="en-US"/>
               <a:t>둘째 수준</a:t>
             </a:r>
           </a:p>
           <a:p>
             <a:pPr lvl="2"/>
             <a:r>
-              <a:rPr lang="ko-KR" altLang="en-US" smtClean="0"/>
+              <a:rPr lang="ko-KR" altLang="en-US"/>
               <a:t>셋째 수준</a:t>
             </a:r>
           </a:p>
           <a:p>
             <a:pPr lvl="3"/>
             <a:r>
-              <a:rPr lang="ko-KR" altLang="en-US" smtClean="0"/>
+              <a:rPr lang="ko-KR" altLang="en-US"/>
               <a:t>넷째 수준</a:t>
             </a:r>
           </a:p>
           <a:p>
             <a:pPr lvl="4"/>
             <a:r>
-              <a:rPr lang="ko-KR" altLang="en-US" smtClean="0"/>
+              <a:rPr lang="ko-KR" altLang="en-US"/>
               <a:t>다섯째 수준</a:t>
             </a:r>
-            <a:endParaRPr lang="ko-KR" altLang="en-US"/>
           </a:p>
         </p:txBody>
       </p:sp>
@@ -3818,7 +3891,18 @@
   <p:clrMapOvr>
     <a:masterClrMapping/>
   </p:clrMapOvr>
-  <p:transition spd="med"/>
+  <mc:AlternateContent xmlns:mc="http://schemas.openxmlformats.org/markup-compatibility/2006">
+    <mc:Choice xmlns:p159="http://schemas.microsoft.com/office/powerpoint/2015/09/main" Requires="p159">
+      <p:transition>
+        <p159:morph option="byChar"/>
+      </p:transition>
+    </mc:Choice>
+    <mc:Fallback>
+      <p:transition>
+        <p:fade/>
+      </p:transition>
+    </mc:Fallback>
+  </mc:AlternateContent>
 </p:sldLayout>
 </file>
 
@@ -3855,10 +3939,9 @@
           <a:lstStyle/>
           <a:p>
             <a:r>
-              <a:rPr lang="ko-KR" altLang="en-US" smtClean="0"/>
+              <a:rPr lang="ko-KR" altLang="en-US"/>
               <a:t>마스터 제목 스타일 편집</a:t>
             </a:r>
-            <a:endParaRPr lang="ko-KR" altLang="en-US"/>
           </a:p>
         </p:txBody>
       </p:sp>
@@ -3872,7 +3955,18 @@
   <p:clrMapOvr>
     <a:masterClrMapping/>
   </p:clrMapOvr>
-  <p:transition spd="med"/>
+  <mc:AlternateContent xmlns:mc="http://schemas.openxmlformats.org/markup-compatibility/2006">
+    <mc:Choice xmlns:p159="http://schemas.microsoft.com/office/powerpoint/2015/09/main" Requires="p159">
+      <p:transition>
+        <p159:morph option="byChar"/>
+      </p:transition>
+    </mc:Choice>
+    <mc:Fallback>
+      <p:transition>
+        <p:fade/>
+      </p:transition>
+    </mc:Fallback>
+  </mc:AlternateContent>
 </p:sldLayout>
 </file>
 
@@ -3903,7 +3997,18 @@
   <p:clrMapOvr>
     <a:masterClrMapping/>
   </p:clrMapOvr>
-  <p:transition spd="med"/>
+  <mc:AlternateContent xmlns:mc="http://schemas.openxmlformats.org/markup-compatibility/2006">
+    <mc:Choice xmlns:p159="http://schemas.microsoft.com/office/powerpoint/2015/09/main" Requires="p159">
+      <p:transition>
+        <p159:morph option="byChar"/>
+      </p:transition>
+    </mc:Choice>
+    <mc:Fallback>
+      <p:transition>
+        <p:fade/>
+      </p:transition>
+    </mc:Fallback>
+  </mc:AlternateContent>
 </p:sldLayout>
 </file>
 
@@ -3980,10 +4085,9 @@
           </a:lstStyle>
           <a:p>
             <a:r>
-              <a:rPr lang="ko-KR" altLang="en-US" smtClean="0"/>
+              <a:rPr lang="ko-KR" altLang="en-US"/>
               <a:t>마스터 제목 스타일 편집</a:t>
             </a:r>
-            <a:endParaRPr lang="ko-KR" altLang="en-US"/>
           </a:p>
         </p:txBody>
       </p:sp>
@@ -4040,38 +4144,37 @@
           <a:p>
             <a:pPr lvl="0"/>
             <a:r>
-              <a:rPr lang="ko-KR" altLang="en-US" dirty="0" smtClean="0"/>
+              <a:rPr lang="ko-KR" altLang="en-US" dirty="0"/>
               <a:t>마스터 텍스트 스타일을 편집합니다</a:t>
             </a:r>
           </a:p>
           <a:p>
             <a:pPr lvl="1"/>
             <a:r>
-              <a:rPr lang="ko-KR" altLang="en-US" dirty="0" smtClean="0"/>
+              <a:rPr lang="ko-KR" altLang="en-US" dirty="0"/>
               <a:t>둘째 수준</a:t>
             </a:r>
           </a:p>
           <a:p>
             <a:pPr lvl="2"/>
             <a:r>
-              <a:rPr lang="ko-KR" altLang="en-US" dirty="0" smtClean="0"/>
+              <a:rPr lang="ko-KR" altLang="en-US" dirty="0"/>
               <a:t>셋째 수준</a:t>
             </a:r>
           </a:p>
           <a:p>
             <a:pPr lvl="3"/>
             <a:r>
-              <a:rPr lang="ko-KR" altLang="en-US" dirty="0" smtClean="0"/>
+              <a:rPr lang="ko-KR" altLang="en-US" dirty="0"/>
               <a:t>넷째 수준</a:t>
             </a:r>
           </a:p>
           <a:p>
             <a:pPr lvl="4"/>
             <a:r>
-              <a:rPr lang="ko-KR" altLang="en-US" dirty="0" smtClean="0"/>
+              <a:rPr lang="ko-KR" altLang="en-US" dirty="0"/>
               <a:t>다섯째 수준</a:t>
             </a:r>
-            <a:endParaRPr lang="ko-KR" altLang="en-US" dirty="0"/>
           </a:p>
         </p:txBody>
       </p:sp>
@@ -4085,7 +4188,18 @@
   <p:clrMapOvr>
     <a:masterClrMapping/>
   </p:clrMapOvr>
-  <p:transition spd="med"/>
+  <mc:AlternateContent xmlns:mc="http://schemas.openxmlformats.org/markup-compatibility/2006">
+    <mc:Choice xmlns:p159="http://schemas.microsoft.com/office/powerpoint/2015/09/main" Requires="p159">
+      <p:transition>
+        <p159:morph option="byChar"/>
+      </p:transition>
+    </mc:Choice>
+    <mc:Fallback>
+      <p:transition>
+        <p:fade/>
+      </p:transition>
+    </mc:Fallback>
+  </mc:AlternateContent>
 </p:sldLayout>
 </file>
 
@@ -4131,10 +4245,9 @@
           </a:lstStyle>
           <a:p>
             <a:r>
-              <a:rPr lang="ko-KR" altLang="en-US" smtClean="0"/>
+              <a:rPr lang="ko-KR" altLang="en-US"/>
               <a:t>마스터 제목 스타일 편집</a:t>
             </a:r>
-            <a:endParaRPr lang="ko-KR" altLang="en-US"/>
           </a:p>
         </p:txBody>
       </p:sp>
@@ -4188,38 +4301,37 @@
           <a:p>
             <a:pPr lvl="0"/>
             <a:r>
-              <a:rPr lang="ko-KR" altLang="en-US" smtClean="0"/>
+              <a:rPr lang="ko-KR" altLang="en-US"/>
               <a:t>마스터 텍스트 스타일을 편집합니다</a:t>
             </a:r>
           </a:p>
           <a:p>
             <a:pPr lvl="1"/>
             <a:r>
-              <a:rPr lang="ko-KR" altLang="en-US" smtClean="0"/>
+              <a:rPr lang="ko-KR" altLang="en-US"/>
               <a:t>둘째 수준</a:t>
             </a:r>
           </a:p>
           <a:p>
             <a:pPr lvl="2"/>
             <a:r>
-              <a:rPr lang="ko-KR" altLang="en-US" smtClean="0"/>
+              <a:rPr lang="ko-KR" altLang="en-US"/>
               <a:t>셋째 수준</a:t>
             </a:r>
           </a:p>
           <a:p>
             <a:pPr lvl="3"/>
             <a:r>
-              <a:rPr lang="ko-KR" altLang="en-US" smtClean="0"/>
+              <a:rPr lang="ko-KR" altLang="en-US"/>
               <a:t>넷째 수준</a:t>
             </a:r>
           </a:p>
           <a:p>
             <a:pPr lvl="4"/>
             <a:r>
-              <a:rPr lang="ko-KR" altLang="en-US" smtClean="0"/>
+              <a:rPr lang="ko-KR" altLang="en-US"/>
               <a:t>다섯째 수준</a:t>
             </a:r>
-            <a:endParaRPr lang="ko-KR" altLang="en-US"/>
           </a:p>
         </p:txBody>
       </p:sp>
@@ -4282,7 +4394,7 @@
           <a:p>
             <a:pPr lvl="0"/>
             <a:r>
-              <a:rPr lang="ko-KR" altLang="en-US" smtClean="0"/>
+              <a:rPr lang="ko-KR" altLang="en-US"/>
               <a:t>마스터 텍스트 스타일을 편집합니다</a:t>
             </a:r>
           </a:p>
@@ -4298,7 +4410,18 @@
   <p:clrMapOvr>
     <a:masterClrMapping/>
   </p:clrMapOvr>
-  <p:transition spd="med"/>
+  <mc:AlternateContent xmlns:mc="http://schemas.openxmlformats.org/markup-compatibility/2006">
+    <mc:Choice xmlns:p159="http://schemas.microsoft.com/office/powerpoint/2015/09/main" Requires="p159">
+      <p:transition>
+        <p159:morph option="byChar"/>
+      </p:transition>
+    </mc:Choice>
+    <mc:Fallback>
+      <p:transition>
+        <p:fade/>
+      </p:transition>
+    </mc:Fallback>
+  </mc:AlternateContent>
 </p:sldLayout>
 </file>
 
@@ -4344,10 +4467,9 @@
           </a:lstStyle>
           <a:p>
             <a:r>
-              <a:rPr lang="ko-KR" altLang="en-US" smtClean="0"/>
+              <a:rPr lang="ko-KR" altLang="en-US"/>
               <a:t>마스터 제목 스타일 편집</a:t>
             </a:r>
-            <a:endParaRPr lang="ko-KR" altLang="en-US"/>
           </a:p>
         </p:txBody>
       </p:sp>
@@ -4409,7 +4531,7 @@
           </a:lstStyle>
           <a:p>
             <a:pPr lvl="0"/>
-            <a:endParaRPr lang="ko-KR" altLang="en-US" noProof="0" smtClean="0"/>
+            <a:endParaRPr lang="ko-KR" altLang="en-US" noProof="0"/>
           </a:p>
         </p:txBody>
       </p:sp>
@@ -4472,7 +4594,7 @@
           <a:p>
             <a:pPr lvl="0"/>
             <a:r>
-              <a:rPr lang="ko-KR" altLang="en-US" smtClean="0"/>
+              <a:rPr lang="ko-KR" altLang="en-US"/>
               <a:t>마스터 텍스트 스타일을 편집합니다</a:t>
             </a:r>
           </a:p>
@@ -4488,7 +4610,18 @@
   <p:clrMapOvr>
     <a:masterClrMapping/>
   </p:clrMapOvr>
-  <p:transition spd="med"/>
+  <mc:AlternateContent xmlns:mc="http://schemas.openxmlformats.org/markup-compatibility/2006">
+    <mc:Choice xmlns:p159="http://schemas.microsoft.com/office/powerpoint/2015/09/main" Requires="p159">
+      <p:transition>
+        <p159:morph option="byChar"/>
+      </p:transition>
+    </mc:Choice>
+    <mc:Fallback>
+      <p:transition>
+        <p:fade/>
+      </p:transition>
+    </mc:Fallback>
+  </mc:AlternateContent>
 </p:sldLayout>
 </file>
 
@@ -4525,10 +4658,9 @@
           <a:lstStyle/>
           <a:p>
             <a:r>
-              <a:rPr lang="ko-KR" altLang="en-US" smtClean="0"/>
+              <a:rPr lang="ko-KR" altLang="en-US"/>
               <a:t>마스터 제목 스타일 편집</a:t>
             </a:r>
-            <a:endParaRPr lang="ko-KR" altLang="en-US"/>
           </a:p>
         </p:txBody>
       </p:sp>
@@ -4549,38 +4681,37 @@
           <a:p>
             <a:pPr lvl="0"/>
             <a:r>
-              <a:rPr lang="ko-KR" altLang="en-US" smtClean="0"/>
+              <a:rPr lang="ko-KR" altLang="en-US"/>
               <a:t>마스터 텍스트 스타일을 편집합니다</a:t>
             </a:r>
           </a:p>
           <a:p>
             <a:pPr lvl="1"/>
             <a:r>
-              <a:rPr lang="ko-KR" altLang="en-US" smtClean="0"/>
+              <a:rPr lang="ko-KR" altLang="en-US"/>
               <a:t>둘째 수준</a:t>
             </a:r>
           </a:p>
           <a:p>
             <a:pPr lvl="2"/>
             <a:r>
-              <a:rPr lang="ko-KR" altLang="en-US" smtClean="0"/>
+              <a:rPr lang="ko-KR" altLang="en-US"/>
               <a:t>셋째 수준</a:t>
             </a:r>
           </a:p>
           <a:p>
             <a:pPr lvl="3"/>
             <a:r>
-              <a:rPr lang="ko-KR" altLang="en-US" smtClean="0"/>
+              <a:rPr lang="ko-KR" altLang="en-US"/>
               <a:t>넷째 수준</a:t>
             </a:r>
           </a:p>
           <a:p>
             <a:pPr lvl="4"/>
             <a:r>
-              <a:rPr lang="ko-KR" altLang="en-US" smtClean="0"/>
+              <a:rPr lang="ko-KR" altLang="en-US"/>
               <a:t>다섯째 수준</a:t>
             </a:r>
-            <a:endParaRPr lang="ko-KR" altLang="en-US"/>
           </a:p>
         </p:txBody>
       </p:sp>
@@ -4594,7 +4725,18 @@
   <p:clrMapOvr>
     <a:masterClrMapping/>
   </p:clrMapOvr>
-  <p:transition spd="med"/>
+  <mc:AlternateContent xmlns:mc="http://schemas.openxmlformats.org/markup-compatibility/2006">
+    <mc:Choice xmlns:p159="http://schemas.microsoft.com/office/powerpoint/2015/09/main" Requires="p159">
+      <p:transition>
+        <p159:morph option="byChar"/>
+      </p:transition>
+    </mc:Choice>
+    <mc:Fallback>
+      <p:transition>
+        <p:fade/>
+      </p:transition>
+    </mc:Fallback>
+  </mc:AlternateContent>
 </p:sldLayout>
 </file>
 
@@ -4636,10 +4778,9 @@
           <a:lstStyle/>
           <a:p>
             <a:r>
-              <a:rPr lang="ko-KR" altLang="en-US" smtClean="0"/>
+              <a:rPr lang="ko-KR" altLang="en-US"/>
               <a:t>마스터 제목 스타일 편집</a:t>
             </a:r>
-            <a:endParaRPr lang="ko-KR" altLang="en-US"/>
           </a:p>
         </p:txBody>
       </p:sp>
@@ -4665,38 +4806,37 @@
           <a:p>
             <a:pPr lvl="0"/>
             <a:r>
-              <a:rPr lang="ko-KR" altLang="en-US" smtClean="0"/>
+              <a:rPr lang="ko-KR" altLang="en-US"/>
               <a:t>마스터 텍스트 스타일을 편집합니다</a:t>
             </a:r>
           </a:p>
           <a:p>
             <a:pPr lvl="1"/>
             <a:r>
-              <a:rPr lang="ko-KR" altLang="en-US" smtClean="0"/>
+              <a:rPr lang="ko-KR" altLang="en-US"/>
               <a:t>둘째 수준</a:t>
             </a:r>
           </a:p>
           <a:p>
             <a:pPr lvl="2"/>
             <a:r>
-              <a:rPr lang="ko-KR" altLang="en-US" smtClean="0"/>
+              <a:rPr lang="ko-KR" altLang="en-US"/>
               <a:t>셋째 수준</a:t>
             </a:r>
           </a:p>
           <a:p>
             <a:pPr lvl="3"/>
             <a:r>
-              <a:rPr lang="ko-KR" altLang="en-US" smtClean="0"/>
+              <a:rPr lang="ko-KR" altLang="en-US"/>
               <a:t>넷째 수준</a:t>
             </a:r>
           </a:p>
           <a:p>
             <a:pPr lvl="4"/>
             <a:r>
-              <a:rPr lang="ko-KR" altLang="en-US" smtClean="0"/>
+              <a:rPr lang="ko-KR" altLang="en-US"/>
               <a:t>다섯째 수준</a:t>
             </a:r>
-            <a:endParaRPr lang="ko-KR" altLang="en-US"/>
           </a:p>
         </p:txBody>
       </p:sp>
@@ -4710,7 +4850,18 @@
   <p:clrMapOvr>
     <a:masterClrMapping/>
   </p:clrMapOvr>
-  <p:transition spd="med"/>
+  <mc:AlternateContent xmlns:mc="http://schemas.openxmlformats.org/markup-compatibility/2006">
+    <mc:Choice xmlns:p159="http://schemas.microsoft.com/office/powerpoint/2015/09/main" Requires="p159">
+      <p:transition>
+        <p159:morph option="byChar"/>
+      </p:transition>
+    </mc:Choice>
+    <mc:Fallback>
+      <p:transition>
+        <p:fade/>
+      </p:transition>
+    </mc:Fallback>
+  </mc:AlternateContent>
 </p:sldLayout>
 </file>
 
@@ -4756,10 +4907,9 @@
           </a:lstStyle>
           <a:p>
             <a:r>
-              <a:rPr lang="ko-KR" altLang="en-US" smtClean="0"/>
+              <a:rPr lang="ko-KR" altLang="en-US"/>
               <a:t>마스터 제목 스타일 편집</a:t>
             </a:r>
-            <a:endParaRPr lang="ko-KR" altLang="en-US"/>
           </a:p>
         </p:txBody>
       </p:sp>
@@ -4822,7 +4972,7 @@
           <a:p>
             <a:pPr lvl="0"/>
             <a:r>
-              <a:rPr lang="ko-KR" altLang="en-US" smtClean="0"/>
+              <a:rPr lang="ko-KR" altLang="en-US"/>
               <a:t>마스터 텍스트 스타일을 편집합니다</a:t>
             </a:r>
           </a:p>
@@ -4838,7 +4988,18 @@
   <p:clrMapOvr>
     <a:masterClrMapping/>
   </p:clrMapOvr>
-  <p:transition spd="med"/>
+  <mc:AlternateContent xmlns:mc="http://schemas.openxmlformats.org/markup-compatibility/2006">
+    <mc:Choice xmlns:p159="http://schemas.microsoft.com/office/powerpoint/2015/09/main" Requires="p159">
+      <p:transition>
+        <p159:morph option="byChar"/>
+      </p:transition>
+    </mc:Choice>
+    <mc:Fallback>
+      <p:transition>
+        <p:fade/>
+      </p:transition>
+    </mc:Fallback>
+  </mc:AlternateContent>
 </p:sldLayout>
 </file>
 
@@ -4875,10 +5036,9 @@
           <a:lstStyle/>
           <a:p>
             <a:r>
-              <a:rPr lang="ko-KR" altLang="en-US" smtClean="0"/>
+              <a:rPr lang="ko-KR" altLang="en-US"/>
               <a:t>마스터 제목 스타일 편집</a:t>
             </a:r>
-            <a:endParaRPr lang="ko-KR" altLang="en-US"/>
           </a:p>
         </p:txBody>
       </p:sp>
@@ -4932,38 +5092,37 @@
           <a:p>
             <a:pPr lvl="0"/>
             <a:r>
-              <a:rPr lang="ko-KR" altLang="en-US" smtClean="0"/>
+              <a:rPr lang="ko-KR" altLang="en-US"/>
               <a:t>마스터 텍스트 스타일을 편집합니다</a:t>
             </a:r>
           </a:p>
           <a:p>
             <a:pPr lvl="1"/>
             <a:r>
-              <a:rPr lang="ko-KR" altLang="en-US" smtClean="0"/>
+              <a:rPr lang="ko-KR" altLang="en-US"/>
               <a:t>둘째 수준</a:t>
             </a:r>
           </a:p>
           <a:p>
             <a:pPr lvl="2"/>
             <a:r>
-              <a:rPr lang="ko-KR" altLang="en-US" smtClean="0"/>
+              <a:rPr lang="ko-KR" altLang="en-US"/>
               <a:t>셋째 수준</a:t>
             </a:r>
           </a:p>
           <a:p>
             <a:pPr lvl="3"/>
             <a:r>
-              <a:rPr lang="ko-KR" altLang="en-US" smtClean="0"/>
+              <a:rPr lang="ko-KR" altLang="en-US"/>
               <a:t>넷째 수준</a:t>
             </a:r>
           </a:p>
           <a:p>
             <a:pPr lvl="4"/>
             <a:r>
-              <a:rPr lang="ko-KR" altLang="en-US" smtClean="0"/>
+              <a:rPr lang="ko-KR" altLang="en-US"/>
               <a:t>다섯째 수준</a:t>
             </a:r>
-            <a:endParaRPr lang="ko-KR" altLang="en-US"/>
           </a:p>
         </p:txBody>
       </p:sp>
@@ -5017,38 +5176,37 @@
           <a:p>
             <a:pPr lvl="0"/>
             <a:r>
-              <a:rPr lang="ko-KR" altLang="en-US" smtClean="0"/>
+              <a:rPr lang="ko-KR" altLang="en-US"/>
               <a:t>마스터 텍스트 스타일을 편집합니다</a:t>
             </a:r>
           </a:p>
           <a:p>
             <a:pPr lvl="1"/>
             <a:r>
-              <a:rPr lang="ko-KR" altLang="en-US" smtClean="0"/>
+              <a:rPr lang="ko-KR" altLang="en-US"/>
               <a:t>둘째 수준</a:t>
             </a:r>
           </a:p>
           <a:p>
             <a:pPr lvl="2"/>
             <a:r>
-              <a:rPr lang="ko-KR" altLang="en-US" smtClean="0"/>
+              <a:rPr lang="ko-KR" altLang="en-US"/>
               <a:t>셋째 수준</a:t>
             </a:r>
           </a:p>
           <a:p>
             <a:pPr lvl="3"/>
             <a:r>
-              <a:rPr lang="ko-KR" altLang="en-US" smtClean="0"/>
+              <a:rPr lang="ko-KR" altLang="en-US"/>
               <a:t>넷째 수준</a:t>
             </a:r>
           </a:p>
           <a:p>
             <a:pPr lvl="4"/>
             <a:r>
-              <a:rPr lang="ko-KR" altLang="en-US" smtClean="0"/>
+              <a:rPr lang="ko-KR" altLang="en-US"/>
               <a:t>다섯째 수준</a:t>
             </a:r>
-            <a:endParaRPr lang="ko-KR" altLang="en-US"/>
           </a:p>
         </p:txBody>
       </p:sp>
@@ -5062,7 +5220,18 @@
   <p:clrMapOvr>
     <a:masterClrMapping/>
   </p:clrMapOvr>
-  <p:transition spd="med"/>
+  <mc:AlternateContent xmlns:mc="http://schemas.openxmlformats.org/markup-compatibility/2006">
+    <mc:Choice xmlns:p159="http://schemas.microsoft.com/office/powerpoint/2015/09/main" Requires="p159">
+      <p:transition>
+        <p159:morph option="byChar"/>
+      </p:transition>
+    </mc:Choice>
+    <mc:Fallback>
+      <p:transition>
+        <p:fade/>
+      </p:transition>
+    </mc:Fallback>
+  </mc:AlternateContent>
 </p:sldLayout>
 </file>
 
@@ -5099,10 +5268,9 @@
           <a:lstStyle/>
           <a:p>
             <a:r>
-              <a:rPr lang="ko-KR" altLang="en-US" smtClean="0"/>
+              <a:rPr lang="ko-KR" altLang="en-US"/>
               <a:t>마스터 제목 스타일 편집</a:t>
             </a:r>
-            <a:endParaRPr lang="ko-KR" altLang="en-US"/>
           </a:p>
         </p:txBody>
       </p:sp>
@@ -5116,7 +5284,18 @@
   <p:clrMapOvr>
     <a:masterClrMapping/>
   </p:clrMapOvr>
-  <p:transition spd="med"/>
+  <mc:AlternateContent xmlns:mc="http://schemas.openxmlformats.org/markup-compatibility/2006">
+    <mc:Choice xmlns:p159="http://schemas.microsoft.com/office/powerpoint/2015/09/main" Requires="p159">
+      <p:transition>
+        <p159:morph option="byChar"/>
+      </p:transition>
+    </mc:Choice>
+    <mc:Fallback>
+      <p:transition>
+        <p:fade/>
+      </p:transition>
+    </mc:Fallback>
+  </mc:AlternateContent>
 </p:sldLayout>
 </file>
 
@@ -5147,7 +5326,18 @@
   <p:clrMapOvr>
     <a:masterClrMapping/>
   </p:clrMapOvr>
-  <p:transition spd="med"/>
+  <mc:AlternateContent xmlns:mc="http://schemas.openxmlformats.org/markup-compatibility/2006">
+    <mc:Choice xmlns:p159="http://schemas.microsoft.com/office/powerpoint/2015/09/main" Requires="p159">
+      <p:transition>
+        <p159:morph option="byChar"/>
+      </p:transition>
+    </mc:Choice>
+    <mc:Fallback>
+      <p:transition>
+        <p:fade/>
+      </p:transition>
+    </mc:Fallback>
+  </mc:AlternateContent>
 </p:sldLayout>
 </file>
 
@@ -5193,10 +5383,9 @@
           </a:lstStyle>
           <a:p>
             <a:r>
-              <a:rPr lang="ko-KR" altLang="en-US" smtClean="0"/>
+              <a:rPr lang="ko-KR" altLang="en-US"/>
               <a:t>마스터 제목 스타일 편집</a:t>
             </a:r>
-            <a:endParaRPr lang="ko-KR" altLang="en-US"/>
           </a:p>
         </p:txBody>
       </p:sp>
@@ -5250,38 +5439,37 @@
           <a:p>
             <a:pPr lvl="0"/>
             <a:r>
-              <a:rPr lang="ko-KR" altLang="en-US" smtClean="0"/>
+              <a:rPr lang="ko-KR" altLang="en-US"/>
               <a:t>마스터 텍스트 스타일을 편집합니다</a:t>
             </a:r>
           </a:p>
           <a:p>
             <a:pPr lvl="1"/>
             <a:r>
-              <a:rPr lang="ko-KR" altLang="en-US" smtClean="0"/>
+              <a:rPr lang="ko-KR" altLang="en-US"/>
               <a:t>둘째 수준</a:t>
             </a:r>
           </a:p>
           <a:p>
             <a:pPr lvl="2"/>
             <a:r>
-              <a:rPr lang="ko-KR" altLang="en-US" smtClean="0"/>
+              <a:rPr lang="ko-KR" altLang="en-US"/>
               <a:t>셋째 수준</a:t>
             </a:r>
           </a:p>
           <a:p>
             <a:pPr lvl="3"/>
             <a:r>
-              <a:rPr lang="ko-KR" altLang="en-US" smtClean="0"/>
+              <a:rPr lang="ko-KR" altLang="en-US"/>
               <a:t>넷째 수준</a:t>
             </a:r>
           </a:p>
           <a:p>
             <a:pPr lvl="4"/>
             <a:r>
-              <a:rPr lang="ko-KR" altLang="en-US" smtClean="0"/>
+              <a:rPr lang="ko-KR" altLang="en-US"/>
               <a:t>다섯째 수준</a:t>
             </a:r>
-            <a:endParaRPr lang="ko-KR" altLang="en-US"/>
           </a:p>
         </p:txBody>
       </p:sp>
@@ -5344,7 +5532,7 @@
           <a:p>
             <a:pPr lvl="0"/>
             <a:r>
-              <a:rPr lang="ko-KR" altLang="en-US" smtClean="0"/>
+              <a:rPr lang="ko-KR" altLang="en-US"/>
               <a:t>마스터 텍스트 스타일을 편집합니다</a:t>
             </a:r>
           </a:p>
@@ -5360,7 +5548,18 @@
   <p:clrMapOvr>
     <a:masterClrMapping/>
   </p:clrMapOvr>
-  <p:transition spd="med"/>
+  <mc:AlternateContent xmlns:mc="http://schemas.openxmlformats.org/markup-compatibility/2006">
+    <mc:Choice xmlns:p159="http://schemas.microsoft.com/office/powerpoint/2015/09/main" Requires="p159">
+      <p:transition>
+        <p159:morph option="byChar"/>
+      </p:transition>
+    </mc:Choice>
+    <mc:Fallback>
+      <p:transition>
+        <p:fade/>
+      </p:transition>
+    </mc:Fallback>
+  </mc:AlternateContent>
 </p:sldLayout>
 </file>
 
@@ -5406,10 +5605,9 @@
           </a:lstStyle>
           <a:p>
             <a:r>
-              <a:rPr lang="ko-KR" altLang="en-US" smtClean="0"/>
+              <a:rPr lang="ko-KR" altLang="en-US"/>
               <a:t>마스터 제목 스타일 편집</a:t>
             </a:r>
-            <a:endParaRPr lang="ko-KR" altLang="en-US"/>
           </a:p>
         </p:txBody>
       </p:sp>
@@ -5471,7 +5669,7 @@
           </a:lstStyle>
           <a:p>
             <a:pPr lvl="0"/>
-            <a:endParaRPr lang="ko-KR" altLang="en-US" noProof="0" smtClean="0"/>
+            <a:endParaRPr lang="ko-KR" altLang="en-US" noProof="0"/>
           </a:p>
         </p:txBody>
       </p:sp>
@@ -5534,7 +5732,7 @@
           <a:p>
             <a:pPr lvl="0"/>
             <a:r>
-              <a:rPr lang="ko-KR" altLang="en-US" smtClean="0"/>
+              <a:rPr lang="ko-KR" altLang="en-US"/>
               <a:t>마스터 텍스트 스타일을 편집합니다</a:t>
             </a:r>
           </a:p>
@@ -5550,7 +5748,18 @@
   <p:clrMapOvr>
     <a:masterClrMapping/>
   </p:clrMapOvr>
-  <p:transition spd="med"/>
+  <mc:AlternateContent xmlns:mc="http://schemas.openxmlformats.org/markup-compatibility/2006">
+    <mc:Choice xmlns:p159="http://schemas.microsoft.com/office/powerpoint/2015/09/main" Requires="p159">
+      <p:transition>
+        <p159:morph option="byChar"/>
+      </p:transition>
+    </mc:Choice>
+    <mc:Fallback>
+      <p:transition>
+        <p:fade/>
+      </p:transition>
+    </mc:Fallback>
+  </mc:AlternateContent>
 </p:sldLayout>
 </file>
 
@@ -5592,10 +5801,9 @@
           <a:lstStyle/>
           <a:p>
             <a:r>
-              <a:rPr lang="ko-KR" altLang="en-US" smtClean="0"/>
+              <a:rPr lang="ko-KR" altLang="en-US"/>
               <a:t>마스터 제목 스타일 편집</a:t>
             </a:r>
-            <a:endParaRPr lang="ko-KR" altLang="en-US"/>
           </a:p>
         </p:txBody>
       </p:sp>
@@ -5616,38 +5824,37 @@
           <a:p>
             <a:pPr lvl="0"/>
             <a:r>
-              <a:rPr lang="ko-KR" altLang="en-US" smtClean="0"/>
+              <a:rPr lang="ko-KR" altLang="en-US"/>
               <a:t>마스터 텍스트 스타일을 편집합니다</a:t>
             </a:r>
           </a:p>
           <a:p>
             <a:pPr lvl="1"/>
             <a:r>
-              <a:rPr lang="ko-KR" altLang="en-US" smtClean="0"/>
+              <a:rPr lang="ko-KR" altLang="en-US"/>
               <a:t>둘째 수준</a:t>
             </a:r>
           </a:p>
           <a:p>
             <a:pPr lvl="2"/>
             <a:r>
-              <a:rPr lang="ko-KR" altLang="en-US" smtClean="0"/>
+              <a:rPr lang="ko-KR" altLang="en-US"/>
               <a:t>셋째 수준</a:t>
             </a:r>
           </a:p>
           <a:p>
             <a:pPr lvl="3"/>
             <a:r>
-              <a:rPr lang="ko-KR" altLang="en-US" smtClean="0"/>
+              <a:rPr lang="ko-KR" altLang="en-US"/>
               <a:t>넷째 수준</a:t>
             </a:r>
           </a:p>
           <a:p>
             <a:pPr lvl="4"/>
             <a:r>
-              <a:rPr lang="ko-KR" altLang="en-US" smtClean="0"/>
+              <a:rPr lang="ko-KR" altLang="en-US"/>
               <a:t>다섯째 수준</a:t>
             </a:r>
-            <a:endParaRPr lang="ko-KR" altLang="en-US"/>
           </a:p>
         </p:txBody>
       </p:sp>
@@ -5661,7 +5868,18 @@
   <p:clrMapOvr>
     <a:masterClrMapping/>
   </p:clrMapOvr>
-  <p:transition spd="med"/>
+  <mc:AlternateContent xmlns:mc="http://schemas.openxmlformats.org/markup-compatibility/2006">
+    <mc:Choice xmlns:p159="http://schemas.microsoft.com/office/powerpoint/2015/09/main" Requires="p159">
+      <p:transition>
+        <p159:morph option="byChar"/>
+      </p:transition>
+    </mc:Choice>
+    <mc:Fallback>
+      <p:transition>
+        <p:fade/>
+      </p:transition>
+    </mc:Fallback>
+  </mc:AlternateContent>
 </p:sldLayout>
 </file>
 
@@ -5838,7 +6056,7 @@
             <a:pPr algn="ctr" eaLnBrk="1" latinLnBrk="1" hangingPunct="1">
               <a:defRPr/>
             </a:pPr>
-            <a:endParaRPr lang="ko-KR" altLang="ko-KR" sz="1800" smtClean="0">
+            <a:endParaRPr lang="ko-KR" altLang="ko-KR" sz="1800">
               <a:solidFill>
                 <a:schemeClr val="bg1"/>
               </a:solidFill>
@@ -5898,7 +6116,7 @@
           <a:p>
             <a:pPr lvl="0"/>
             <a:r>
-              <a:rPr lang="ko-KR" altLang="en-US" smtClean="0"/>
+              <a:rPr lang="ko-KR" altLang="en-US"/>
               <a:t>마스터 제목 스타일 편집</a:t>
             </a:r>
           </a:p>
@@ -5956,42 +6174,42 @@
           <a:p>
             <a:pPr lvl="0"/>
             <a:r>
-              <a:rPr lang="en-US" altLang="ko-KR" smtClean="0"/>
+              <a:rPr lang="en-US" altLang="ko-KR"/>
               <a:t>1</a:t>
             </a:r>
-            <a:endParaRPr lang="ko-KR" altLang="en-US" smtClean="0"/>
+            <a:endParaRPr lang="ko-KR" altLang="en-US"/>
           </a:p>
           <a:p>
             <a:pPr lvl="1"/>
             <a:r>
-              <a:rPr lang="en-US" altLang="ko-KR" smtClean="0"/>
+              <a:rPr lang="en-US" altLang="ko-KR"/>
               <a:t>2</a:t>
             </a:r>
-            <a:endParaRPr lang="ko-KR" altLang="en-US" smtClean="0"/>
+            <a:endParaRPr lang="ko-KR" altLang="en-US"/>
           </a:p>
           <a:p>
             <a:pPr lvl="2"/>
             <a:r>
-              <a:rPr lang="en-US" altLang="ko-KR" smtClean="0"/>
+              <a:rPr lang="en-US" altLang="ko-KR"/>
               <a:t>3</a:t>
             </a:r>
-            <a:endParaRPr lang="ko-KR" altLang="en-US" smtClean="0"/>
+            <a:endParaRPr lang="ko-KR" altLang="en-US"/>
           </a:p>
           <a:p>
             <a:pPr lvl="3"/>
             <a:r>
-              <a:rPr lang="en-US" altLang="ko-KR" smtClean="0"/>
+              <a:rPr lang="en-US" altLang="ko-KR"/>
               <a:t>4</a:t>
             </a:r>
-            <a:endParaRPr lang="ko-KR" altLang="en-US" smtClean="0"/>
+            <a:endParaRPr lang="ko-KR" altLang="en-US"/>
           </a:p>
           <a:p>
             <a:pPr lvl="4"/>
             <a:r>
-              <a:rPr lang="en-US" altLang="ko-KR" smtClean="0"/>
+              <a:rPr lang="en-US" altLang="ko-KR"/>
               <a:t>5</a:t>
             </a:r>
-            <a:endParaRPr lang="ko-KR" altLang="en-US" smtClean="0"/>
+            <a:endParaRPr lang="ko-KR" altLang="en-US"/>
           </a:p>
         </p:txBody>
       </p:sp>
@@ -6144,7 +6362,7 @@
               <a:defRPr/>
             </a:pPr>
             <a:r>
-              <a:rPr lang="en-US" altLang="ko-KR" sz="1200" smtClean="0">
+              <a:rPr lang="en-US" altLang="ko-KR" sz="1200">
                 <a:solidFill>
                   <a:schemeClr val="bg1"/>
                 </a:solidFill>
@@ -6153,7 +6371,7 @@
               </a:rPr>
               <a:t>      Advanced Broadcasting &amp; Communications Lab.</a:t>
             </a:r>
-            <a:endParaRPr lang="en-US" altLang="ko-KR" sz="1800" smtClean="0">
+            <a:endParaRPr lang="en-US" altLang="ko-KR" sz="1800">
               <a:solidFill>
                 <a:schemeClr val="bg1"/>
               </a:solidFill>
@@ -6330,7 +6548,7 @@
               </a:pPr>
               <a:t>‹#›</a:t>
             </a:fld>
-            <a:endParaRPr lang="en-US" altLang="ko-KR" sz="1200" smtClean="0">
+            <a:endParaRPr lang="en-US" altLang="ko-KR" sz="1200">
               <a:solidFill>
                 <a:schemeClr val="bg1"/>
               </a:solidFill>
@@ -6823,7 +7041,7 @@
                 <a:defRPr/>
               </a:pPr>
               <a:r>
-                <a:rPr lang="en-US" altLang="ko-KR" sz="1600" i="1" smtClean="0">
+                <a:rPr lang="en-US" altLang="ko-KR" sz="1600" i="1">
                   <a:solidFill>
                     <a:srgbClr val="99CC00"/>
                   </a:solidFill>
@@ -6990,7 +7208,7 @@
                 <a:defRPr/>
               </a:pPr>
               <a:r>
-                <a:rPr lang="en-US" altLang="ko-KR" sz="2200" i="1" smtClean="0">
+                <a:rPr lang="en-US" altLang="ko-KR" sz="2200" i="1">
                   <a:solidFill>
                     <a:schemeClr val="bg1"/>
                   </a:solidFill>
@@ -7157,7 +7375,7 @@
                 <a:defRPr/>
               </a:pPr>
               <a:r>
-                <a:rPr lang="ko-KR" altLang="en-US" sz="900" i="1" smtClean="0">
+                <a:rPr lang="ko-KR" altLang="en-US" sz="900" i="1">
                   <a:solidFill>
                     <a:schemeClr val="bg1"/>
                   </a:solidFill>
@@ -7166,7 +7384,7 @@
                 <a:t>세계로</a:t>
               </a:r>
               <a:r>
-                <a:rPr lang="ko-KR" altLang="en-US" sz="900" i="1" smtClean="0">
+                <a:rPr lang="ko-KR" altLang="en-US" sz="900" i="1">
                   <a:solidFill>
                     <a:schemeClr val="bg2"/>
                   </a:solidFill>
@@ -7175,7 +7393,7 @@
                 <a:t> </a:t>
               </a:r>
               <a:r>
-                <a:rPr lang="ko-KR" altLang="en-US" sz="900" i="1" smtClean="0">
+                <a:rPr lang="ko-KR" altLang="en-US" sz="900" i="1">
                   <a:solidFill>
                     <a:schemeClr val="bg1"/>
                   </a:solidFill>
@@ -7204,14 +7422,18 @@
     <p:sldLayoutId id="2147484488" r:id="rId11"/>
     <p:sldLayoutId id="2147484489" r:id="rId12"/>
   </p:sldLayoutIdLst>
-  <p:transition spd="med"/>
-  <p:timing>
-    <p:tnLst>
-      <p:par>
-        <p:cTn id="1" dur="indefinite" restart="never" nodeType="tmRoot"/>
-      </p:par>
-    </p:tnLst>
-  </p:timing>
+  <mc:AlternateContent xmlns:mc="http://schemas.openxmlformats.org/markup-compatibility/2006">
+    <mc:Choice xmlns:p159="http://schemas.microsoft.com/office/powerpoint/2015/09/main" Requires="p159">
+      <p:transition>
+        <p159:morph option="byChar"/>
+      </p:transition>
+    </mc:Choice>
+    <mc:Fallback>
+      <p:transition>
+        <p:fade/>
+      </p:transition>
+    </mc:Fallback>
+  </mc:AlternateContent>
   <p:txStyles>
     <p:titleStyle>
       <a:lvl1pPr algn="r" rtl="0" eaLnBrk="0" fontAlgn="base" latinLnBrk="1" hangingPunct="0">
@@ -7779,14 +8001,14 @@
               <a:defRPr/>
             </a:pPr>
             <a:r>
-              <a:rPr lang="en-US" altLang="ko-KR" sz="1200" smtClean="0">
+              <a:rPr lang="en-US" altLang="ko-KR" sz="1200">
                 <a:solidFill>
                   <a:schemeClr val="bg1"/>
                 </a:solidFill>
               </a:rPr>
               <a:t>Broadcasting &amp; Communication Systems Lab.</a:t>
             </a:r>
-            <a:endParaRPr lang="en-US" altLang="ko-KR" sz="1800" smtClean="0">
+            <a:endParaRPr lang="en-US" altLang="ko-KR" sz="1800">
               <a:solidFill>
                 <a:schemeClr val="bg1"/>
               </a:solidFill>
@@ -7961,7 +8183,7 @@
               </a:pPr>
               <a:t>‹#›</a:t>
             </a:fld>
-            <a:endParaRPr lang="en-US" altLang="ko-KR" sz="1200" smtClean="0">
+            <a:endParaRPr lang="en-US" altLang="ko-KR" sz="1200">
               <a:solidFill>
                 <a:schemeClr val="bg1"/>
               </a:solidFill>
@@ -8203,7 +8425,7 @@
             <a:pPr algn="r" eaLnBrk="1" latinLnBrk="1" hangingPunct="1">
               <a:defRPr/>
             </a:pPr>
-            <a:endParaRPr lang="ko-KR" altLang="ko-KR" sz="1000" smtClean="0">
+            <a:endParaRPr lang="ko-KR" altLang="ko-KR" sz="1000">
               <a:solidFill>
                 <a:schemeClr val="bg1"/>
               </a:solidFill>
@@ -8532,42 +8754,42 @@
           <a:p>
             <a:pPr lvl="0"/>
             <a:r>
-              <a:rPr lang="ko-KR" altLang="en-US" smtClean="0"/>
+              <a:rPr lang="ko-KR" altLang="en-US"/>
               <a:t>마스터 텍스트 스타일을 편집합니다</a:t>
             </a:r>
           </a:p>
           <a:p>
             <a:pPr lvl="1"/>
             <a:r>
-              <a:rPr lang="ko-KR" altLang="en-US" smtClean="0"/>
+              <a:rPr lang="ko-KR" altLang="en-US"/>
               <a:t>둘째 수준</a:t>
             </a:r>
           </a:p>
           <a:p>
             <a:pPr lvl="2"/>
             <a:r>
-              <a:rPr lang="ko-KR" altLang="en-US" smtClean="0"/>
+              <a:rPr lang="ko-KR" altLang="en-US"/>
               <a:t>셋째 수준</a:t>
             </a:r>
           </a:p>
           <a:p>
             <a:pPr lvl="3"/>
             <a:r>
-              <a:rPr lang="ko-KR" altLang="en-US" smtClean="0"/>
+              <a:rPr lang="ko-KR" altLang="en-US"/>
               <a:t>넷째 수준</a:t>
             </a:r>
           </a:p>
           <a:p>
             <a:pPr lvl="4"/>
             <a:r>
-              <a:rPr lang="ko-KR" altLang="en-US" smtClean="0"/>
+              <a:rPr lang="ko-KR" altLang="en-US"/>
               <a:t>다섯째 수준</a:t>
             </a:r>
             <a:r>
-              <a:rPr lang="en-US" altLang="ko-KR" smtClean="0"/>
+              <a:rPr lang="en-US" altLang="ko-KR"/>
               <a:t>z</a:t>
             </a:r>
-            <a:endParaRPr lang="ko-KR" altLang="en-US" smtClean="0"/>
+            <a:endParaRPr lang="ko-KR" altLang="en-US"/>
           </a:p>
         </p:txBody>
       </p:sp>
@@ -8623,7 +8845,7 @@
           <a:p>
             <a:pPr lvl="0"/>
             <a:r>
-              <a:rPr lang="en-US" altLang="ko-KR" smtClean="0"/>
+              <a:rPr lang="en-US" altLang="ko-KR"/>
               <a:t>Contents</a:t>
             </a:r>
           </a:p>
@@ -8791,7 +9013,7 @@
               <a:defRPr/>
             </a:pPr>
             <a:r>
-              <a:rPr lang="ko-KR" altLang="en-US" sz="2000" i="0" smtClean="0">
+              <a:rPr lang="ko-KR" altLang="en-US" sz="2000" i="0">
                 <a:solidFill>
                   <a:schemeClr val="bg1"/>
                 </a:solidFill>
@@ -8800,13 +9022,6 @@
               </a:rPr>
               <a:t>마스터 제목 스타일 편집</a:t>
             </a:r>
-            <a:endParaRPr lang="ko-KR" altLang="en-US" sz="2000" i="0">
-              <a:solidFill>
-                <a:schemeClr val="bg1"/>
-              </a:solidFill>
-              <a:latin typeface="Arial Black" pitchFamily="34" charset="0"/>
-              <a:ea typeface="HY견고딕" pitchFamily="18" charset="-127"/>
-            </a:endParaRPr>
           </a:p>
         </p:txBody>
       </p:sp>
@@ -8982,7 +9197,7 @@
                 <a:defRPr/>
               </a:pPr>
               <a:r>
-                <a:rPr lang="en-US" altLang="ko-KR" sz="1600" i="1" smtClean="0">
+                <a:rPr lang="en-US" altLang="ko-KR" sz="1600" i="1">
                   <a:solidFill>
                     <a:srgbClr val="99CC00"/>
                   </a:solidFill>
@@ -9149,7 +9364,7 @@
                 <a:defRPr/>
               </a:pPr>
               <a:r>
-                <a:rPr lang="en-US" altLang="ko-KR" sz="2200" i="1" smtClean="0">
+                <a:rPr lang="en-US" altLang="ko-KR" sz="2200" i="1">
                   <a:solidFill>
                     <a:schemeClr val="bg1"/>
                   </a:solidFill>
@@ -9316,7 +9531,7 @@
                 <a:defRPr/>
               </a:pPr>
               <a:r>
-                <a:rPr lang="ko-KR" altLang="en-US" sz="900" i="1" smtClean="0">
+                <a:rPr lang="ko-KR" altLang="en-US" sz="900" i="1">
                   <a:solidFill>
                     <a:schemeClr val="bg1"/>
                   </a:solidFill>
@@ -9325,7 +9540,7 @@
                 <a:t>세계로</a:t>
               </a:r>
               <a:r>
-                <a:rPr lang="ko-KR" altLang="en-US" sz="900" i="1" smtClean="0">
+                <a:rPr lang="ko-KR" altLang="en-US" sz="900" i="1">
                   <a:solidFill>
                     <a:schemeClr val="bg2"/>
                   </a:solidFill>
@@ -9334,7 +9549,7 @@
                 <a:t> </a:t>
               </a:r>
               <a:r>
-                <a:rPr lang="ko-KR" altLang="en-US" sz="900" i="1" smtClean="0">
+                <a:rPr lang="ko-KR" altLang="en-US" sz="900" i="1">
                   <a:solidFill>
                     <a:schemeClr val="bg1"/>
                   </a:solidFill>
@@ -9362,14 +9577,18 @@
     <p:sldLayoutId id="2147484499" r:id="rId10"/>
     <p:sldLayoutId id="2147484500" r:id="rId11"/>
   </p:sldLayoutIdLst>
-  <p:transition spd="med"/>
-  <p:timing>
-    <p:tnLst>
-      <p:par>
-        <p:cTn id="1" dur="indefinite" restart="never" nodeType="tmRoot"/>
-      </p:par>
-    </p:tnLst>
-  </p:timing>
+  <mc:AlternateContent xmlns:mc="http://schemas.openxmlformats.org/markup-compatibility/2006">
+    <mc:Choice xmlns:p159="http://schemas.microsoft.com/office/powerpoint/2015/09/main" Requires="p159">
+      <p:transition>
+        <p159:morph option="byChar"/>
+      </p:transition>
+    </mc:Choice>
+    <mc:Fallback>
+      <p:transition>
+        <p:fade/>
+      </p:transition>
+    </mc:Fallback>
+  </mc:AlternateContent>
   <p:txStyles>
     <p:titleStyle>
       <a:lvl1pPr algn="l" rtl="0" eaLnBrk="0" fontAlgn="base" latinLnBrk="1" hangingPunct="0">
@@ -9836,7 +10055,7 @@
                 <a:latin typeface="Arial Black" panose="020B0A04020102020204" pitchFamily="34" charset="0"/>
               </a:rPr>
             </a:br>
-            <a:endParaRPr lang="en-US" altLang="ko-KR" sz="2800" b="0" dirty="0" smtClean="0">
+            <a:endParaRPr lang="en-US" altLang="ko-KR" sz="2800" b="0" dirty="0">
               <a:solidFill>
                 <a:srgbClr val="A50021"/>
               </a:solidFill>
@@ -9873,7 +10092,7 @@
               </a:lnSpc>
             </a:pPr>
             <a:r>
-              <a:rPr lang="en-US" altLang="ko-KR" dirty="0" smtClean="0"/>
+              <a:rPr lang="en-US" altLang="ko-KR" dirty="0"/>
               <a:t>Homework #4</a:t>
             </a:r>
           </a:p>
@@ -9883,7 +10102,7 @@
                 <a:spcPct val="90000"/>
               </a:lnSpc>
             </a:pPr>
-            <a:endParaRPr lang="en-US" altLang="ko-KR" sz="3200" dirty="0" smtClean="0"/>
+            <a:endParaRPr lang="en-US" altLang="ko-KR" sz="3200" dirty="0"/>
           </a:p>
         </p:txBody>
       </p:sp>
@@ -9892,14 +10111,18 @@
   <p:clrMapOvr>
     <a:masterClrMapping/>
   </p:clrMapOvr>
-  <p:transition spd="med"/>
-  <p:timing>
-    <p:tnLst>
-      <p:par>
-        <p:cTn id="1" dur="indefinite" restart="never" nodeType="tmRoot"/>
-      </p:par>
-    </p:tnLst>
-  </p:timing>
+  <mc:AlternateContent xmlns:mc="http://schemas.openxmlformats.org/markup-compatibility/2006">
+    <mc:Choice xmlns:p159="http://schemas.microsoft.com/office/powerpoint/2015/09/main" Requires="p159">
+      <p:transition>
+        <p159:morph option="byChar"/>
+      </p:transition>
+    </mc:Choice>
+    <mc:Fallback>
+      <p:transition>
+        <p:fade/>
+      </p:transition>
+    </mc:Fallback>
+  </mc:AlternateContent>
 </p:sld>
 </file>
 
@@ -9936,10 +10159,10 @@
           <a:lstStyle/>
           <a:p>
             <a:r>
-              <a:rPr lang="en-US" altLang="ko-KR" sz="2400" dirty="0" smtClean="0"/>
+              <a:rPr lang="en-US" altLang="ko-KR" sz="2400" dirty="0"/>
               <a:t>Homework #4</a:t>
             </a:r>
-            <a:endParaRPr lang="ko-KR" altLang="en-US" sz="2400" dirty="0" smtClean="0"/>
+            <a:endParaRPr lang="ko-KR" altLang="en-US" sz="2400" dirty="0"/>
           </a:p>
         </p:txBody>
       </p:sp>
@@ -9972,7 +10195,7 @@
               <a:defRPr/>
             </a:pPr>
             <a:r>
-              <a:rPr lang="en-US" altLang="ko-KR" sz="3200" dirty="0" smtClean="0">
+              <a:rPr lang="en-US" altLang="ko-KR" sz="3200" dirty="0">
                 <a:solidFill>
                   <a:srgbClr val="0070C0"/>
                 </a:solidFill>
@@ -9989,18 +10212,13 @@
               <a:defRPr/>
             </a:pPr>
             <a:r>
-              <a:rPr lang="en-US" altLang="ko-KR" sz="2000" b="1" i="1" dirty="0" smtClean="0">
+              <a:rPr lang="en-US" altLang="ko-KR" sz="2000" b="1" i="1" dirty="0">
                 <a:solidFill>
                   <a:srgbClr val="A50021"/>
                 </a:solidFill>
               </a:rPr>
               <a:t>Solve Problems 6.28, 9.9, 9.17, 10.4, 10.28</a:t>
             </a:r>
-            <a:endParaRPr lang="en-US" altLang="ko-KR" sz="2000" b="1" i="1" dirty="0">
-              <a:solidFill>
-                <a:srgbClr val="A50021"/>
-              </a:solidFill>
-            </a:endParaRPr>
           </a:p>
           <a:p>
             <a:pPr eaLnBrk="1" hangingPunct="1">
@@ -10010,37 +10228,32 @@
               <a:defRPr/>
             </a:pPr>
             <a:r>
-              <a:rPr lang="en-US" altLang="ko-KR" sz="2000" b="1" i="1" dirty="0" smtClean="0"/>
+              <a:rPr lang="en-US" altLang="ko-KR" sz="2000" b="1" i="1" dirty="0"/>
               <a:t>Submit </a:t>
             </a:r>
             <a:r>
-              <a:rPr lang="en-US" altLang="ko-KR" sz="2000" b="1" i="1" smtClean="0"/>
-              <a:t>by </a:t>
-            </a:r>
-            <a:r>
-              <a:rPr lang="en-US" altLang="ko-KR" sz="2000" b="1" i="1" smtClean="0"/>
-              <a:t>5</a:t>
-            </a:r>
-            <a:r>
-              <a:rPr lang="en-US" altLang="ko-KR" sz="2000" b="1" i="1" baseline="30000" smtClean="0"/>
+              <a:rPr lang="en-US" altLang="ko-KR" sz="2000" b="1" i="1"/>
+              <a:t>by 5</a:t>
+            </a:r>
+            <a:r>
+              <a:rPr lang="en-US" altLang="ko-KR" sz="2000" b="1" i="1" baseline="30000"/>
               <a:t>th</a:t>
             </a:r>
             <a:r>
-              <a:rPr lang="en-US" altLang="ko-KR" sz="2000" b="1" i="1" smtClean="0"/>
+              <a:rPr lang="en-US" altLang="ko-KR" sz="2000" b="1" i="1"/>
               <a:t> </a:t>
             </a:r>
             <a:r>
-              <a:rPr lang="en-US" altLang="ko-KR" sz="2000" b="1" i="1" dirty="0" smtClean="0"/>
+              <a:rPr lang="en-US" altLang="ko-KR" sz="2000" b="1" i="1" dirty="0"/>
               <a:t>December.</a:t>
             </a:r>
-            <a:endParaRPr lang="en-US" altLang="ko-KR" sz="2000" b="1" i="1" dirty="0"/>
           </a:p>
           <a:p>
             <a:pPr marL="0" indent="0">
               <a:buNone/>
               <a:defRPr/>
             </a:pPr>
-            <a:endParaRPr lang="ko-KR" altLang="en-US" sz="2000" dirty="0" smtClean="0"/>
+            <a:endParaRPr lang="ko-KR" altLang="en-US" sz="2000" dirty="0"/>
           </a:p>
         </p:txBody>
       </p:sp>
@@ -10054,14 +10267,18 @@
   <p:clrMapOvr>
     <a:masterClrMapping/>
   </p:clrMapOvr>
-  <p:transition spd="med"/>
-  <p:timing>
-    <p:tnLst>
-      <p:par>
-        <p:cTn id="1" dur="indefinite" restart="never" nodeType="tmRoot"/>
-      </p:par>
-    </p:tnLst>
-  </p:timing>
+  <mc:AlternateContent xmlns:mc="http://schemas.openxmlformats.org/markup-compatibility/2006">
+    <mc:Choice xmlns:p159="http://schemas.microsoft.com/office/powerpoint/2015/09/main" Requires="p159">
+      <p:transition>
+        <p159:morph option="byChar"/>
+      </p:transition>
+    </mc:Choice>
+    <mc:Fallback>
+      <p:transition>
+        <p:fade/>
+      </p:transition>
+    </mc:Fallback>
+  </mc:AlternateContent>
 </p:sld>
 </file>
 
@@ -10099,10 +10316,10 @@
           <a:p>
             <a:pPr eaLnBrk="1" hangingPunct="1"/>
             <a:r>
-              <a:rPr lang="en-US" altLang="ko-KR" sz="2400" dirty="0" smtClean="0"/>
+              <a:rPr lang="en-US" altLang="ko-KR" sz="2400" dirty="0"/>
               <a:t>Homework #4</a:t>
             </a:r>
-            <a:endParaRPr lang="ko-KR" altLang="en-US" sz="2400" dirty="0" smtClean="0"/>
+            <a:endParaRPr lang="ko-KR" altLang="en-US" sz="2400" dirty="0"/>
           </a:p>
         </p:txBody>
       </p:sp>
@@ -10133,7 +10350,7 @@
                   <a:defRPr/>
                 </a:pPr>
                 <a:r>
-                  <a:rPr lang="en-US" altLang="ko-KR" sz="2800" b="1" dirty="0" smtClean="0">
+                  <a:rPr lang="en-US" altLang="ko-KR" sz="2800" b="1" dirty="0">
                     <a:solidFill>
                       <a:srgbClr val="0070C0"/>
                     </a:solidFill>
@@ -10141,12 +10358,6 @@
                   </a:rPr>
                   <a:t>Problem #1</a:t>
                 </a:r>
-                <a:endParaRPr lang="en-US" altLang="ko-KR" sz="2800" b="1" dirty="0">
-                  <a:solidFill>
-                    <a:srgbClr val="0070C0"/>
-                  </a:solidFill>
-                  <a:ea typeface="Microsoft Sans Serif" panose="020B0604020202020204" pitchFamily="34" charset="0"/>
-                </a:endParaRPr>
               </a:p>
               <a:p>
                 <a:pPr marL="457200" indent="-457200">
@@ -10157,19 +10368,19 @@
                   <a:defRPr/>
                 </a:pPr>
                 <a:r>
-                  <a:rPr lang="en-US" altLang="ko-KR" b="1" dirty="0" smtClean="0">
+                  <a:rPr lang="en-US" altLang="ko-KR" b="1" dirty="0">
                     <a:ea typeface="Microsoft Sans Serif" panose="020B0604020202020204" pitchFamily="34" charset="0"/>
                   </a:rPr>
                   <a:t>If the parameter</a:t>
                 </a:r>
                 <a:r>
-                  <a:rPr lang="ko-KR" altLang="en-US" b="1" dirty="0" smtClean="0">
+                  <a:rPr lang="ko-KR" altLang="en-US" b="1" dirty="0">
                     <a:ea typeface="Microsoft Sans Serif" panose="020B0604020202020204" pitchFamily="34" charset="0"/>
                   </a:rPr>
                   <a:t> </a:t>
                 </a:r>
                 <a:r>
-                  <a:rPr lang="en-US" altLang="ko-KR" b="1" dirty="0" smtClean="0">
+                  <a:rPr lang="en-US" altLang="ko-KR" b="1" dirty="0">
                     <a:ea typeface="Microsoft Sans Serif" panose="020B0604020202020204" pitchFamily="34" charset="0"/>
                   </a:rPr>
                   <a:t>for the RLC circuit are </a:t>
@@ -10249,124 +10460,67 @@
                   </m:oMath>
                 </a14:m>
                 <a:r>
-                  <a:rPr lang="en-US" altLang="ko-KR" b="1" dirty="0" smtClean="0">
+                  <a:rPr lang="en-US" altLang="ko-KR" b="1" dirty="0">
                     <a:ea typeface="Microsoft Sans Serif" panose="020B0604020202020204" pitchFamily="34" charset="0"/>
                   </a:rPr>
                   <a:t> and Q=30, determine the unknown circuit parameters.</a:t>
                 </a:r>
                 <a:br>
-                  <a:rPr lang="en-US" altLang="ko-KR" b="1" dirty="0" smtClean="0">
+                  <a:rPr lang="en-US" altLang="ko-KR" b="1" dirty="0">
+                    <a:ea typeface="Microsoft Sans Serif" panose="020B0604020202020204" pitchFamily="34" charset="0"/>
+                  </a:rPr>
+                </a:br>
+                <a:br>
+                  <a:rPr lang="en-US" altLang="ko-KR" b="1" dirty="0">
+                    <a:ea typeface="Microsoft Sans Serif" panose="020B0604020202020204" pitchFamily="34" charset="0"/>
+                  </a:rPr>
+                </a:br>
+                <a:br>
+                  <a:rPr lang="en-US" altLang="ko-KR" b="1" dirty="0">
+                    <a:ea typeface="Microsoft Sans Serif" panose="020B0604020202020204" pitchFamily="34" charset="0"/>
+                  </a:rPr>
+                </a:br>
+                <a:br>
+                  <a:rPr lang="en-US" altLang="ko-KR" b="1" dirty="0">
+                    <a:ea typeface="Microsoft Sans Serif" panose="020B0604020202020204" pitchFamily="34" charset="0"/>
+                  </a:rPr>
+                </a:br>
+                <a:br>
+                  <a:rPr lang="en-US" altLang="ko-KR" b="1" dirty="0">
+                    <a:ea typeface="Microsoft Sans Serif" panose="020B0604020202020204" pitchFamily="34" charset="0"/>
+                  </a:rPr>
+                </a:br>
+                <a:br>
+                  <a:rPr lang="en-US" altLang="ko-KR" b="1" dirty="0">
+                    <a:ea typeface="Microsoft Sans Serif" panose="020B0604020202020204" pitchFamily="34" charset="0"/>
+                  </a:rPr>
+                </a:br>
+                <a:br>
+                  <a:rPr lang="en-US" altLang="ko-KR" b="1" dirty="0">
+                    <a:ea typeface="Microsoft Sans Serif" panose="020B0604020202020204" pitchFamily="34" charset="0"/>
+                  </a:rPr>
+                </a:br>
+                <a:br>
+                  <a:rPr lang="en-US" altLang="ko-KR" b="1" dirty="0">
+                    <a:ea typeface="Microsoft Sans Serif" panose="020B0604020202020204" pitchFamily="34" charset="0"/>
+                  </a:rPr>
+                </a:br>
+                <a:br>
+                  <a:rPr lang="en-US" altLang="ko-KR" b="1" dirty="0">
+                    <a:ea typeface="Microsoft Sans Serif" panose="020B0604020202020204" pitchFamily="34" charset="0"/>
+                  </a:rPr>
+                </a:br>
+                <a:br>
+                  <a:rPr lang="en-US" altLang="ko-KR" b="1" dirty="0">
                     <a:ea typeface="Microsoft Sans Serif" panose="020B0604020202020204" pitchFamily="34" charset="0"/>
                   </a:rPr>
                 </a:br>
                 <a:r>
-                  <a:rPr lang="en-US" altLang="ko-KR" b="1" dirty="0" smtClean="0">
-                    <a:ea typeface="Microsoft Sans Serif" panose="020B0604020202020204" pitchFamily="34" charset="0"/>
-                  </a:rPr>
-                  <a:t/>
-                </a:r>
-                <a:br>
-                  <a:rPr lang="en-US" altLang="ko-KR" b="1" dirty="0" smtClean="0">
-                    <a:ea typeface="Microsoft Sans Serif" panose="020B0604020202020204" pitchFamily="34" charset="0"/>
-                  </a:rPr>
-                </a:br>
-                <a:r>
-                  <a:rPr lang="en-US" altLang="ko-KR" b="1" dirty="0" smtClean="0">
-                    <a:ea typeface="Microsoft Sans Serif" panose="020B0604020202020204" pitchFamily="34" charset="0"/>
-                  </a:rPr>
-                  <a:t/>
-                </a:r>
-                <a:br>
-                  <a:rPr lang="en-US" altLang="ko-KR" b="1" dirty="0" smtClean="0">
-                    <a:ea typeface="Microsoft Sans Serif" panose="020B0604020202020204" pitchFamily="34" charset="0"/>
-                  </a:rPr>
-                </a:br>
-                <a:r>
-                  <a:rPr lang="en-US" altLang="ko-KR" b="1" dirty="0" smtClean="0">
-                    <a:ea typeface="Microsoft Sans Serif" panose="020B0604020202020204" pitchFamily="34" charset="0"/>
-                  </a:rPr>
-                  <a:t/>
-                </a:r>
-                <a:br>
-                  <a:rPr lang="en-US" altLang="ko-KR" b="1" dirty="0" smtClean="0">
-                    <a:ea typeface="Microsoft Sans Serif" panose="020B0604020202020204" pitchFamily="34" charset="0"/>
-                  </a:rPr>
-                </a:br>
-                <a:r>
-                  <a:rPr lang="en-US" altLang="ko-KR" b="1" dirty="0" smtClean="0">
-                    <a:ea typeface="Microsoft Sans Serif" panose="020B0604020202020204" pitchFamily="34" charset="0"/>
-                  </a:rPr>
-                  <a:t/>
-                </a:r>
-                <a:br>
-                  <a:rPr lang="en-US" altLang="ko-KR" b="1" dirty="0" smtClean="0">
-                    <a:ea typeface="Microsoft Sans Serif" panose="020B0604020202020204" pitchFamily="34" charset="0"/>
-                  </a:rPr>
-                </a:br>
-                <a:r>
-                  <a:rPr lang="en-US" altLang="ko-KR" b="1" dirty="0" smtClean="0">
-                    <a:ea typeface="Microsoft Sans Serif" panose="020B0604020202020204" pitchFamily="34" charset="0"/>
-                  </a:rPr>
-                  <a:t/>
-                </a:r>
-                <a:br>
-                  <a:rPr lang="en-US" altLang="ko-KR" b="1" dirty="0" smtClean="0">
-                    <a:ea typeface="Microsoft Sans Serif" panose="020B0604020202020204" pitchFamily="34" charset="0"/>
-                  </a:rPr>
-                </a:br>
-                <a:r>
-                  <a:rPr lang="en-US" altLang="ko-KR" b="1" dirty="0" smtClean="0">
-                    <a:ea typeface="Microsoft Sans Serif" panose="020B0604020202020204" pitchFamily="34" charset="0"/>
-                  </a:rPr>
-                  <a:t/>
-                </a:r>
-                <a:br>
-                  <a:rPr lang="en-US" altLang="ko-KR" b="1" dirty="0" smtClean="0">
-                    <a:ea typeface="Microsoft Sans Serif" panose="020B0604020202020204" pitchFamily="34" charset="0"/>
-                  </a:rPr>
-                </a:br>
-                <a:r>
-                  <a:rPr lang="en-US" altLang="ko-KR" b="1" dirty="0" smtClean="0">
-                    <a:ea typeface="Microsoft Sans Serif" panose="020B0604020202020204" pitchFamily="34" charset="0"/>
-                  </a:rPr>
-                  <a:t/>
-                </a:r>
-                <a:br>
-                  <a:rPr lang="en-US" altLang="ko-KR" b="1" dirty="0" smtClean="0">
-                    <a:ea typeface="Microsoft Sans Serif" panose="020B0604020202020204" pitchFamily="34" charset="0"/>
-                  </a:rPr>
-                </a:br>
-                <a:r>
-                  <a:rPr lang="en-US" altLang="ko-KR" b="1" dirty="0" smtClean="0">
-                    <a:ea typeface="Microsoft Sans Serif" panose="020B0604020202020204" pitchFamily="34" charset="0"/>
-                  </a:rPr>
-                  <a:t/>
-                </a:r>
-                <a:br>
-                  <a:rPr lang="en-US" altLang="ko-KR" b="1" dirty="0" smtClean="0">
-                    <a:ea typeface="Microsoft Sans Serif" panose="020B0604020202020204" pitchFamily="34" charset="0"/>
-                  </a:rPr>
-                </a:br>
-                <a:r>
-                  <a:rPr lang="en-US" altLang="ko-KR" b="1" dirty="0" smtClean="0">
-                    <a:ea typeface="Microsoft Sans Serif" panose="020B0604020202020204" pitchFamily="34" charset="0"/>
-                  </a:rPr>
-                  <a:t/>
-                </a:r>
-                <a:br>
-                  <a:rPr lang="en-US" altLang="ko-KR" b="1" dirty="0" smtClean="0">
-                    <a:ea typeface="Microsoft Sans Serif" panose="020B0604020202020204" pitchFamily="34" charset="0"/>
-                  </a:rPr>
-                </a:br>
-                <a:r>
-                  <a:rPr lang="en-US" altLang="ko-KR" b="1" dirty="0" smtClean="0">
+                  <a:rPr lang="en-US" altLang="ko-KR" b="1" dirty="0">
                     <a:ea typeface="Microsoft Sans Serif" panose="020B0604020202020204" pitchFamily="34" charset="0"/>
                   </a:rPr>
                   <a:t>                                       Figure P6.28</a:t>
                 </a:r>
-                <a:endParaRPr lang="en-US" altLang="ko-KR" b="1" dirty="0">
-                  <a:ea typeface="Microsoft Sans Serif" panose="020B0604020202020204" pitchFamily="34" charset="0"/>
-                </a:endParaRPr>
               </a:p>
             </p:txBody>
           </p:sp>
@@ -10449,14 +10603,18 @@
   <p:clrMapOvr>
     <a:masterClrMapping/>
   </p:clrMapOvr>
-  <p:transition spd="med"/>
-  <p:timing>
-    <p:tnLst>
-      <p:par>
-        <p:cTn id="1" dur="indefinite" restart="never" nodeType="tmRoot"/>
-      </p:par>
-    </p:tnLst>
-  </p:timing>
+  <mc:AlternateContent xmlns:mc="http://schemas.openxmlformats.org/markup-compatibility/2006">
+    <mc:Choice xmlns:p159="http://schemas.microsoft.com/office/powerpoint/2015/09/main" Requires="p159">
+      <p:transition>
+        <p159:morph option="byChar"/>
+      </p:transition>
+    </mc:Choice>
+    <mc:Fallback>
+      <p:transition>
+        <p:fade/>
+      </p:transition>
+    </mc:Fallback>
+  </mc:AlternateContent>
 </p:sld>
 </file>
 
@@ -10494,10 +10652,10 @@
           <a:p>
             <a:pPr eaLnBrk="1" hangingPunct="1"/>
             <a:r>
-              <a:rPr lang="en-US" altLang="ko-KR" sz="2400" dirty="0" smtClean="0"/>
+              <a:rPr lang="en-US" altLang="ko-KR" sz="2400" dirty="0"/>
               <a:t>Homework #4</a:t>
             </a:r>
-            <a:endParaRPr lang="ko-KR" altLang="en-US" sz="2400" dirty="0" smtClean="0"/>
+            <a:endParaRPr lang="ko-KR" altLang="en-US" sz="2400" dirty="0"/>
           </a:p>
         </p:txBody>
       </p:sp>
@@ -10526,7 +10684,7 @@
               <a:defRPr/>
             </a:pPr>
             <a:r>
-              <a:rPr lang="en-US" altLang="ko-KR" sz="2800" b="1" dirty="0" smtClean="0">
+              <a:rPr lang="en-US" altLang="ko-KR" sz="2800" b="1" dirty="0">
                 <a:solidFill>
                   <a:srgbClr val="0070C0"/>
                 </a:solidFill>
@@ -10534,94 +10692,6 @@
               </a:rPr>
               <a:t>Problem #2</a:t>
             </a:r>
-          </a:p>
-          <a:p>
-            <a:pPr marL="457200" indent="-457200">
-              <a:buFont typeface="+mj-lt"/>
-              <a:buAutoNum type="arabicPeriod" startAt="2"/>
-              <a:defRPr/>
-            </a:pPr>
-            <a:endParaRPr lang="en-US" altLang="ko-KR" b="1" dirty="0" smtClean="0">
-              <a:ea typeface="Microsoft Sans Serif" panose="020B0604020202020204" pitchFamily="34" charset="0"/>
-            </a:endParaRPr>
-          </a:p>
-          <a:p>
-            <a:pPr marL="457200" indent="-457200">
-              <a:buFont typeface="+mj-lt"/>
-              <a:buAutoNum type="arabicPeriod" startAt="2"/>
-              <a:defRPr/>
-            </a:pPr>
-            <a:r>
-              <a:rPr lang="en-US" altLang="ko-KR" b="1" dirty="0" smtClean="0">
-                <a:ea typeface="Microsoft Sans Serif" panose="020B0604020202020204" pitchFamily="34" charset="0"/>
-              </a:rPr>
-              <a:t>Assuming ideal diodes, calculate the current through (a) D</a:t>
-            </a:r>
-            <a:r>
-              <a:rPr lang="en-US" altLang="ko-KR" b="1" baseline="-25000" dirty="0" smtClean="0">
-                <a:ea typeface="Microsoft Sans Serif" panose="020B0604020202020204" pitchFamily="34" charset="0"/>
-              </a:rPr>
-              <a:t>1</a:t>
-            </a:r>
-            <a:r>
-              <a:rPr lang="en-US" altLang="ko-KR" b="1" dirty="0" smtClean="0">
-                <a:ea typeface="Microsoft Sans Serif" panose="020B0604020202020204" pitchFamily="34" charset="0"/>
-              </a:rPr>
-              <a:t>, (b) D</a:t>
-            </a:r>
-            <a:r>
-              <a:rPr lang="en-US" altLang="ko-KR" b="1" baseline="-25000" dirty="0" smtClean="0">
-                <a:ea typeface="Microsoft Sans Serif" panose="020B0604020202020204" pitchFamily="34" charset="0"/>
-              </a:rPr>
-              <a:t>2</a:t>
-            </a:r>
-            <a:r>
-              <a:rPr lang="en-US" altLang="ko-KR" b="1" dirty="0" smtClean="0">
-                <a:ea typeface="Microsoft Sans Serif" panose="020B0604020202020204" pitchFamily="34" charset="0"/>
-              </a:rPr>
-              <a:t>, and (c) V, the source. </a:t>
-            </a:r>
-            <a:br>
-              <a:rPr lang="en-US" altLang="ko-KR" b="1" dirty="0" smtClean="0">
-                <a:ea typeface="Microsoft Sans Serif" panose="020B0604020202020204" pitchFamily="34" charset="0"/>
-              </a:rPr>
-            </a:br>
-            <a:r>
-              <a:rPr lang="en-US" altLang="ko-KR" b="1" dirty="0" smtClean="0">
-                <a:ea typeface="Microsoft Sans Serif" panose="020B0604020202020204" pitchFamily="34" charset="0"/>
-              </a:rPr>
-              <a:t/>
-            </a:r>
-            <a:br>
-              <a:rPr lang="en-US" altLang="ko-KR" b="1" dirty="0" smtClean="0">
-                <a:ea typeface="Microsoft Sans Serif" panose="020B0604020202020204" pitchFamily="34" charset="0"/>
-              </a:rPr>
-            </a:br>
-            <a:r>
-              <a:rPr lang="en-US" altLang="ko-KR" b="1" dirty="0" smtClean="0">
-                <a:ea typeface="Microsoft Sans Serif" panose="020B0604020202020204" pitchFamily="34" charset="0"/>
-              </a:rPr>
-              <a:t/>
-            </a:r>
-            <a:br>
-              <a:rPr lang="en-US" altLang="ko-KR" b="1" dirty="0" smtClean="0">
-                <a:ea typeface="Microsoft Sans Serif" panose="020B0604020202020204" pitchFamily="34" charset="0"/>
-              </a:rPr>
-            </a:br>
-            <a:r>
-              <a:rPr lang="en-US" altLang="ko-KR" b="1" dirty="0" smtClean="0">
-                <a:ea typeface="Microsoft Sans Serif" panose="020B0604020202020204" pitchFamily="34" charset="0"/>
-              </a:rPr>
-              <a:t/>
-            </a:r>
-            <a:br>
-              <a:rPr lang="en-US" altLang="ko-KR" b="1" dirty="0" smtClean="0">
-                <a:ea typeface="Microsoft Sans Serif" panose="020B0604020202020204" pitchFamily="34" charset="0"/>
-              </a:rPr>
-            </a:br>
-            <a:endParaRPr lang="en-US" altLang="ko-KR" b="1" dirty="0" smtClean="0">
-              <a:ea typeface="Microsoft Sans Serif" panose="020B0604020202020204" pitchFamily="34" charset="0"/>
-            </a:endParaRPr>
           </a:p>
           <a:p>
             <a:pPr marL="457200" indent="-457200">
@@ -10634,22 +10704,86 @@
             </a:endParaRPr>
           </a:p>
           <a:p>
+            <a:pPr marL="457200" indent="-457200">
+              <a:buFont typeface="+mj-lt"/>
+              <a:buAutoNum type="arabicPeriod" startAt="2"/>
+              <a:defRPr/>
+            </a:pPr>
+            <a:r>
+              <a:rPr lang="en-US" altLang="ko-KR" b="1" dirty="0">
+                <a:ea typeface="Microsoft Sans Serif" panose="020B0604020202020204" pitchFamily="34" charset="0"/>
+              </a:rPr>
+              <a:t>Assuming ideal diodes, calculate the current through (a) D</a:t>
+            </a:r>
+            <a:r>
+              <a:rPr lang="en-US" altLang="ko-KR" b="1" baseline="-25000" dirty="0">
+                <a:ea typeface="Microsoft Sans Serif" panose="020B0604020202020204" pitchFamily="34" charset="0"/>
+              </a:rPr>
+              <a:t>1</a:t>
+            </a:r>
+            <a:r>
+              <a:rPr lang="en-US" altLang="ko-KR" b="1" dirty="0">
+                <a:ea typeface="Microsoft Sans Serif" panose="020B0604020202020204" pitchFamily="34" charset="0"/>
+              </a:rPr>
+              <a:t>, (b) D</a:t>
+            </a:r>
+            <a:r>
+              <a:rPr lang="en-US" altLang="ko-KR" b="1" baseline="-25000" dirty="0">
+                <a:ea typeface="Microsoft Sans Serif" panose="020B0604020202020204" pitchFamily="34" charset="0"/>
+              </a:rPr>
+              <a:t>2</a:t>
+            </a:r>
+            <a:r>
+              <a:rPr lang="en-US" altLang="ko-KR" b="1" dirty="0">
+                <a:ea typeface="Microsoft Sans Serif" panose="020B0604020202020204" pitchFamily="34" charset="0"/>
+              </a:rPr>
+              <a:t>, and (c) V, the source. </a:t>
+            </a:r>
+            <a:br>
+              <a:rPr lang="en-US" altLang="ko-KR" b="1" dirty="0">
+                <a:ea typeface="Microsoft Sans Serif" panose="020B0604020202020204" pitchFamily="34" charset="0"/>
+              </a:rPr>
+            </a:br>
+            <a:br>
+              <a:rPr lang="en-US" altLang="ko-KR" b="1" dirty="0">
+                <a:ea typeface="Microsoft Sans Serif" panose="020B0604020202020204" pitchFamily="34" charset="0"/>
+              </a:rPr>
+            </a:br>
+            <a:br>
+              <a:rPr lang="en-US" altLang="ko-KR" b="1" dirty="0">
+                <a:ea typeface="Microsoft Sans Serif" panose="020B0604020202020204" pitchFamily="34" charset="0"/>
+              </a:rPr>
+            </a:br>
+            <a:br>
+              <a:rPr lang="en-US" altLang="ko-KR" b="1" dirty="0">
+                <a:ea typeface="Microsoft Sans Serif" panose="020B0604020202020204" pitchFamily="34" charset="0"/>
+              </a:rPr>
+            </a:br>
+            <a:endParaRPr lang="en-US" altLang="ko-KR" b="1" dirty="0">
+              <a:ea typeface="Microsoft Sans Serif" panose="020B0604020202020204" pitchFamily="34" charset="0"/>
+            </a:endParaRPr>
+          </a:p>
+          <a:p>
+            <a:pPr marL="457200" indent="-457200">
+              <a:buFont typeface="+mj-lt"/>
+              <a:buAutoNum type="arabicPeriod" startAt="2"/>
+              <a:defRPr/>
+            </a:pPr>
+            <a:endParaRPr lang="en-US" altLang="ko-KR" b="1" dirty="0">
+              <a:ea typeface="Microsoft Sans Serif" panose="020B0604020202020204" pitchFamily="34" charset="0"/>
+            </a:endParaRPr>
+          </a:p>
+          <a:p>
             <a:pPr marL="0" indent="0">
               <a:buNone/>
               <a:defRPr/>
             </a:pPr>
-            <a:r>
-              <a:rPr lang="en-US" altLang="ko-KR" b="1" dirty="0" smtClean="0">
-                <a:ea typeface="Microsoft Sans Serif" panose="020B0604020202020204" pitchFamily="34" charset="0"/>
-              </a:rPr>
-              <a:t/>
-            </a:r>
             <a:br>
-              <a:rPr lang="en-US" altLang="ko-KR" b="1" dirty="0" smtClean="0">
+              <a:rPr lang="en-US" altLang="ko-KR" b="1" dirty="0">
                 <a:ea typeface="Microsoft Sans Serif" panose="020B0604020202020204" pitchFamily="34" charset="0"/>
               </a:rPr>
             </a:br>
-            <a:endParaRPr lang="en-US" altLang="ko-KR" b="1" dirty="0" smtClean="0">
+            <a:endParaRPr lang="en-US" altLang="ko-KR" b="1" dirty="0">
               <a:ea typeface="Microsoft Sans Serif" panose="020B0604020202020204" pitchFamily="34" charset="0"/>
             </a:endParaRPr>
           </a:p>
@@ -10659,14 +10793,11 @@
               <a:defRPr/>
             </a:pPr>
             <a:r>
-              <a:rPr lang="en-US" altLang="ko-KR" b="1" dirty="0" smtClean="0">
+              <a:rPr lang="en-US" altLang="ko-KR" b="1" dirty="0">
                 <a:ea typeface="Microsoft Sans Serif" panose="020B0604020202020204" pitchFamily="34" charset="0"/>
               </a:rPr>
               <a:t>                                          Figure P9.9</a:t>
             </a:r>
-            <a:endParaRPr lang="en-US" altLang="ko-KR" b="1" dirty="0">
-              <a:ea typeface="Microsoft Sans Serif" panose="020B0604020202020204" pitchFamily="34" charset="0"/>
-            </a:endParaRPr>
           </a:p>
         </p:txBody>
       </p:sp>
@@ -10705,14 +10836,18 @@
   <p:clrMapOvr>
     <a:masterClrMapping/>
   </p:clrMapOvr>
-  <p:transition spd="med"/>
-  <p:timing>
-    <p:tnLst>
-      <p:par>
-        <p:cTn id="1" dur="indefinite" restart="never" nodeType="tmRoot"/>
-      </p:par>
-    </p:tnLst>
-  </p:timing>
+  <mc:AlternateContent xmlns:mc="http://schemas.openxmlformats.org/markup-compatibility/2006">
+    <mc:Choice xmlns:p159="http://schemas.microsoft.com/office/powerpoint/2015/09/main" Requires="p159">
+      <p:transition>
+        <p159:morph option="byChar"/>
+      </p:transition>
+    </mc:Choice>
+    <mc:Fallback>
+      <p:transition>
+        <p:fade/>
+      </p:transition>
+    </mc:Fallback>
+  </mc:AlternateContent>
 </p:sld>
 </file>
 
@@ -10750,10 +10885,10 @@
           <a:p>
             <a:pPr eaLnBrk="1" hangingPunct="1"/>
             <a:r>
-              <a:rPr lang="en-US" altLang="ko-KR" sz="2400" dirty="0" smtClean="0"/>
+              <a:rPr lang="en-US" altLang="ko-KR" sz="2400" dirty="0"/>
               <a:t>Homework #4</a:t>
             </a:r>
-            <a:endParaRPr lang="ko-KR" altLang="en-US" sz="2400" dirty="0" smtClean="0"/>
+            <a:endParaRPr lang="ko-KR" altLang="en-US" sz="2400" dirty="0"/>
           </a:p>
         </p:txBody>
       </p:sp>
@@ -10784,29 +10919,14 @@
                   <a:defRPr/>
                 </a:pPr>
                 <a:r>
-                  <a:rPr lang="en-US" altLang="ko-KR" sz="2800" b="1" dirty="0" smtClean="0">
-                    <a:solidFill>
-                      <a:srgbClr val="0070C0"/>
-                    </a:solidFill>
-                    <a:ea typeface="Microsoft Sans Serif" panose="020B0604020202020204" pitchFamily="34" charset="0"/>
-                  </a:rPr>
-                  <a:t>Problem #</a:t>
-                </a:r>
-                <a:r>
                   <a:rPr lang="en-US" altLang="ko-KR" sz="2800" b="1" dirty="0">
                     <a:solidFill>
                       <a:srgbClr val="0070C0"/>
                     </a:solidFill>
                     <a:ea typeface="Microsoft Sans Serif" panose="020B0604020202020204" pitchFamily="34" charset="0"/>
                   </a:rPr>
-                  <a:t>3</a:t>
+                  <a:t>Problem #3</a:t>
                 </a:r>
-                <a:endParaRPr lang="en-US" altLang="ko-KR" sz="2800" b="1" dirty="0" smtClean="0">
-                  <a:solidFill>
-                    <a:srgbClr val="0070C0"/>
-                  </a:solidFill>
-                  <a:ea typeface="Microsoft Sans Serif" panose="020B0604020202020204" pitchFamily="34" charset="0"/>
-                </a:endParaRPr>
               </a:p>
               <a:p>
                 <a:pPr marL="457200" indent="-457200">
@@ -10814,7 +10934,7 @@
                   <a:buAutoNum type="arabicPeriod" startAt="2"/>
                   <a:defRPr/>
                 </a:pPr>
-                <a:endParaRPr lang="en-US" altLang="ko-KR" b="1" dirty="0" smtClean="0">
+                <a:endParaRPr lang="en-US" altLang="ko-KR" b="1" dirty="0">
                   <a:ea typeface="Microsoft Sans Serif" panose="020B0604020202020204" pitchFamily="34" charset="0"/>
                 </a:endParaRPr>
               </a:p>
@@ -10825,7 +10945,7 @@
                   <a:defRPr/>
                 </a:pPr>
                 <a:r>
-                  <a:rPr lang="en-US" altLang="ko-KR" b="1" dirty="0" smtClean="0">
+                  <a:rPr lang="en-US" altLang="ko-KR" b="1" dirty="0">
                     <a:ea typeface="Microsoft Sans Serif" panose="020B0604020202020204" pitchFamily="34" charset="0"/>
                   </a:rPr>
                   <a:t>Draw the output waveform for the voltage </a:t>
@@ -10884,7 +11004,7 @@
                   </m:oMath>
                 </a14:m>
                 <a:r>
-                  <a:rPr lang="en-US" altLang="ko-KR" b="1" dirty="0" smtClean="0">
+                  <a:rPr lang="en-US" altLang="ko-KR" b="1" dirty="0">
                     <a:ea typeface="Microsoft Sans Serif" panose="020B0604020202020204" pitchFamily="34" charset="0"/>
                   </a:rPr>
                   <a:t>.</a:t>
@@ -10895,73 +11015,37 @@
                   <a:buNone/>
                   <a:defRPr/>
                 </a:pPr>
-                <a:r>
-                  <a:rPr lang="en-US" altLang="ko-KR" b="1" dirty="0" smtClean="0">
-                    <a:ea typeface="Microsoft Sans Serif" panose="020B0604020202020204" pitchFamily="34" charset="0"/>
-                  </a:rPr>
-                  <a:t/>
-                </a:r>
                 <a:br>
-                  <a:rPr lang="en-US" altLang="ko-KR" b="1" dirty="0" smtClean="0">
+                  <a:rPr lang="en-US" altLang="ko-KR" b="1" dirty="0">
                     <a:ea typeface="Microsoft Sans Serif" panose="020B0604020202020204" pitchFamily="34" charset="0"/>
                   </a:rPr>
                 </a:br>
-                <a:r>
-                  <a:rPr lang="en-US" altLang="ko-KR" b="1" dirty="0" smtClean="0">
-                    <a:ea typeface="Microsoft Sans Serif" panose="020B0604020202020204" pitchFamily="34" charset="0"/>
-                  </a:rPr>
-                  <a:t/>
-                </a:r>
                 <a:br>
-                  <a:rPr lang="en-US" altLang="ko-KR" b="1" dirty="0" smtClean="0">
+                  <a:rPr lang="en-US" altLang="ko-KR" b="1" dirty="0">
                     <a:ea typeface="Microsoft Sans Serif" panose="020B0604020202020204" pitchFamily="34" charset="0"/>
                   </a:rPr>
                 </a:br>
-                <a:r>
-                  <a:rPr lang="en-US" altLang="ko-KR" b="1" dirty="0" smtClean="0">
-                    <a:ea typeface="Microsoft Sans Serif" panose="020B0604020202020204" pitchFamily="34" charset="0"/>
-                  </a:rPr>
-                  <a:t/>
-                </a:r>
                 <a:br>
-                  <a:rPr lang="en-US" altLang="ko-KR" b="1" dirty="0" smtClean="0">
+                  <a:rPr lang="en-US" altLang="ko-KR" b="1" dirty="0">
                     <a:ea typeface="Microsoft Sans Serif" panose="020B0604020202020204" pitchFamily="34" charset="0"/>
                   </a:rPr>
                 </a:br>
-                <a:r>
-                  <a:rPr lang="en-US" altLang="ko-KR" b="1" dirty="0" smtClean="0">
-                    <a:ea typeface="Microsoft Sans Serif" panose="020B0604020202020204" pitchFamily="34" charset="0"/>
-                  </a:rPr>
-                  <a:t/>
-                </a:r>
                 <a:br>
-                  <a:rPr lang="en-US" altLang="ko-KR" b="1" dirty="0" smtClean="0">
+                  <a:rPr lang="en-US" altLang="ko-KR" b="1" dirty="0">
                     <a:ea typeface="Microsoft Sans Serif" panose="020B0604020202020204" pitchFamily="34" charset="0"/>
                   </a:rPr>
                 </a:br>
-                <a:r>
-                  <a:rPr lang="en-US" altLang="ko-KR" b="1" dirty="0" smtClean="0">
-                    <a:ea typeface="Microsoft Sans Serif" panose="020B0604020202020204" pitchFamily="34" charset="0"/>
-                  </a:rPr>
-                  <a:t/>
-                </a:r>
                 <a:br>
-                  <a:rPr lang="en-US" altLang="ko-KR" b="1" dirty="0" smtClean="0">
+                  <a:rPr lang="en-US" altLang="ko-KR" b="1" dirty="0">
                     <a:ea typeface="Microsoft Sans Serif" panose="020B0604020202020204" pitchFamily="34" charset="0"/>
                   </a:rPr>
                 </a:br>
-                <a:r>
-                  <a:rPr lang="en-US" altLang="ko-KR" b="1" dirty="0" smtClean="0">
-                    <a:ea typeface="Microsoft Sans Serif" panose="020B0604020202020204" pitchFamily="34" charset="0"/>
-                  </a:rPr>
-                  <a:t/>
-                </a:r>
                 <a:br>
-                  <a:rPr lang="en-US" altLang="ko-KR" b="1" dirty="0" smtClean="0">
+                  <a:rPr lang="en-US" altLang="ko-KR" b="1" dirty="0">
                     <a:ea typeface="Microsoft Sans Serif" panose="020B0604020202020204" pitchFamily="34" charset="0"/>
                   </a:rPr>
                 </a:br>
-                <a:endParaRPr lang="en-US" altLang="ko-KR" b="1" dirty="0" smtClean="0">
+                <a:endParaRPr lang="en-US" altLang="ko-KR" b="1" dirty="0">
                   <a:ea typeface="Microsoft Sans Serif" panose="020B0604020202020204" pitchFamily="34" charset="0"/>
                 </a:endParaRPr>
               </a:p>
@@ -10971,14 +11055,11 @@
                   <a:defRPr/>
                 </a:pPr>
                 <a:r>
-                  <a:rPr lang="en-US" altLang="ko-KR" b="1" dirty="0" smtClean="0">
+                  <a:rPr lang="en-US" altLang="ko-KR" b="1" dirty="0">
                     <a:ea typeface="Microsoft Sans Serif" panose="020B0604020202020204" pitchFamily="34" charset="0"/>
                   </a:rPr>
                   <a:t>                                          Figure P9.17</a:t>
                 </a:r>
-                <a:endParaRPr lang="en-US" altLang="ko-KR" b="1" dirty="0">
-                  <a:ea typeface="Microsoft Sans Serif" panose="020B0604020202020204" pitchFamily="34" charset="0"/>
-                </a:endParaRPr>
               </a:p>
             </p:txBody>
           </p:sp>
@@ -11061,14 +11142,18 @@
   <p:clrMapOvr>
     <a:masterClrMapping/>
   </p:clrMapOvr>
-  <p:transition spd="med"/>
-  <p:timing>
-    <p:tnLst>
-      <p:par>
-        <p:cTn id="1" dur="indefinite" restart="never" nodeType="tmRoot"/>
-      </p:par>
-    </p:tnLst>
-  </p:timing>
+  <mc:AlternateContent xmlns:mc="http://schemas.openxmlformats.org/markup-compatibility/2006">
+    <mc:Choice xmlns:p159="http://schemas.microsoft.com/office/powerpoint/2015/09/main" Requires="p159">
+      <p:transition>
+        <p159:morph option="byChar"/>
+      </p:transition>
+    </mc:Choice>
+    <mc:Fallback>
+      <p:transition>
+        <p:fade/>
+      </p:transition>
+    </mc:Fallback>
+  </mc:AlternateContent>
 </p:sld>
 </file>
 
@@ -11106,10 +11191,10 @@
           <a:p>
             <a:pPr eaLnBrk="1" hangingPunct="1"/>
             <a:r>
-              <a:rPr lang="en-US" altLang="ko-KR" sz="2400" dirty="0" smtClean="0"/>
+              <a:rPr lang="en-US" altLang="ko-KR" sz="2400" dirty="0"/>
               <a:t>Homework #4</a:t>
             </a:r>
-            <a:endParaRPr lang="ko-KR" altLang="en-US" sz="2400" dirty="0" smtClean="0"/>
+            <a:endParaRPr lang="ko-KR" altLang="en-US" sz="2400" dirty="0"/>
           </a:p>
         </p:txBody>
       </p:sp>
@@ -11138,29 +11223,14 @@
               <a:defRPr/>
             </a:pPr>
             <a:r>
-              <a:rPr lang="en-US" altLang="ko-KR" sz="2800" b="1" dirty="0" smtClean="0">
+              <a:rPr lang="en-US" altLang="ko-KR" sz="2800" b="1" dirty="0">
                 <a:solidFill>
                   <a:srgbClr val="0070C0"/>
                 </a:solidFill>
                 <a:ea typeface="Microsoft Sans Serif" panose="020B0604020202020204" pitchFamily="34" charset="0"/>
               </a:rPr>
-              <a:t>Problem #</a:t>
-            </a:r>
-            <a:r>
-              <a:rPr lang="en-US" altLang="ko-KR" sz="2800" b="1" dirty="0">
-                <a:solidFill>
-                  <a:srgbClr val="0070C0"/>
-                </a:solidFill>
-                <a:ea typeface="Microsoft Sans Serif" panose="020B0604020202020204" pitchFamily="34" charset="0"/>
-              </a:rPr>
-              <a:t>4</a:t>
-            </a:r>
-            <a:endParaRPr lang="en-US" altLang="ko-KR" sz="2800" b="1" dirty="0" smtClean="0">
-              <a:solidFill>
-                <a:srgbClr val="0070C0"/>
-              </a:solidFill>
-              <a:ea typeface="Microsoft Sans Serif" panose="020B0604020202020204" pitchFamily="34" charset="0"/>
-            </a:endParaRPr>
+              <a:t>Problem #4</a:t>
+            </a:r>
           </a:p>
           <a:p>
             <a:pPr marL="457200" indent="-457200">
@@ -11168,7 +11238,7 @@
               <a:buAutoNum type="arabicPeriod" startAt="2"/>
               <a:defRPr/>
             </a:pPr>
-            <a:endParaRPr lang="en-US" altLang="ko-KR" b="1" dirty="0" smtClean="0">
+            <a:endParaRPr lang="en-US" altLang="ko-KR" b="1" dirty="0">
               <a:ea typeface="Microsoft Sans Serif" panose="020B0604020202020204" pitchFamily="34" charset="0"/>
             </a:endParaRPr>
           </a:p>
@@ -11179,7 +11249,7 @@
               <a:defRPr/>
             </a:pPr>
             <a:r>
-              <a:rPr lang="en-US" altLang="ko-KR" b="1" dirty="0" smtClean="0">
+              <a:rPr lang="en-US" altLang="ko-KR" b="1" dirty="0">
                 <a:ea typeface="Microsoft Sans Serif" panose="020B0604020202020204" pitchFamily="34" charset="0"/>
               </a:rPr>
               <a:t>Determine the value of R2 that will produce a gain of at least 41.</a:t>
@@ -11190,62 +11260,32 @@
               <a:buNone/>
               <a:defRPr/>
             </a:pPr>
-            <a:r>
-              <a:rPr lang="en-US" altLang="ko-KR" b="1" dirty="0" smtClean="0">
-                <a:ea typeface="Microsoft Sans Serif" panose="020B0604020202020204" pitchFamily="34" charset="0"/>
-              </a:rPr>
-              <a:t/>
-            </a:r>
             <a:br>
-              <a:rPr lang="en-US" altLang="ko-KR" b="1" dirty="0" smtClean="0">
+              <a:rPr lang="en-US" altLang="ko-KR" b="1" dirty="0">
                 <a:ea typeface="Microsoft Sans Serif" panose="020B0604020202020204" pitchFamily="34" charset="0"/>
               </a:rPr>
             </a:br>
-            <a:r>
-              <a:rPr lang="en-US" altLang="ko-KR" b="1" dirty="0" smtClean="0">
-                <a:ea typeface="Microsoft Sans Serif" panose="020B0604020202020204" pitchFamily="34" charset="0"/>
-              </a:rPr>
-              <a:t/>
-            </a:r>
             <a:br>
-              <a:rPr lang="en-US" altLang="ko-KR" b="1" dirty="0" smtClean="0">
+              <a:rPr lang="en-US" altLang="ko-KR" b="1" dirty="0">
                 <a:ea typeface="Microsoft Sans Serif" panose="020B0604020202020204" pitchFamily="34" charset="0"/>
               </a:rPr>
             </a:br>
-            <a:r>
-              <a:rPr lang="en-US" altLang="ko-KR" b="1" dirty="0" smtClean="0">
-                <a:ea typeface="Microsoft Sans Serif" panose="020B0604020202020204" pitchFamily="34" charset="0"/>
-              </a:rPr>
-              <a:t/>
-            </a:r>
             <a:br>
-              <a:rPr lang="en-US" altLang="ko-KR" b="1" dirty="0" smtClean="0">
+              <a:rPr lang="en-US" altLang="ko-KR" b="1" dirty="0">
                 <a:ea typeface="Microsoft Sans Serif" panose="020B0604020202020204" pitchFamily="34" charset="0"/>
               </a:rPr>
             </a:br>
-            <a:r>
-              <a:rPr lang="en-US" altLang="ko-KR" b="1" dirty="0" smtClean="0">
-                <a:ea typeface="Microsoft Sans Serif" panose="020B0604020202020204" pitchFamily="34" charset="0"/>
-              </a:rPr>
-              <a:t/>
-            </a:r>
             <a:br>
-              <a:rPr lang="en-US" altLang="ko-KR" b="1" dirty="0" smtClean="0">
+              <a:rPr lang="en-US" altLang="ko-KR" b="1" dirty="0">
                 <a:ea typeface="Microsoft Sans Serif" panose="020B0604020202020204" pitchFamily="34" charset="0"/>
               </a:rPr>
             </a:br>
-            <a:r>
-              <a:rPr lang="en-US" altLang="ko-KR" b="1" dirty="0" smtClean="0">
-                <a:ea typeface="Microsoft Sans Serif" panose="020B0604020202020204" pitchFamily="34" charset="0"/>
-              </a:rPr>
-              <a:t/>
-            </a:r>
             <a:br>
-              <a:rPr lang="en-US" altLang="ko-KR" b="1" dirty="0" smtClean="0">
+              <a:rPr lang="en-US" altLang="ko-KR" b="1" dirty="0">
                 <a:ea typeface="Microsoft Sans Serif" panose="020B0604020202020204" pitchFamily="34" charset="0"/>
               </a:rPr>
             </a:br>
-            <a:endParaRPr lang="en-US" altLang="ko-KR" b="1" dirty="0" smtClean="0">
+            <a:endParaRPr lang="en-US" altLang="ko-KR" b="1" dirty="0">
               <a:ea typeface="Microsoft Sans Serif" panose="020B0604020202020204" pitchFamily="34" charset="0"/>
             </a:endParaRPr>
           </a:p>
@@ -11254,7 +11294,7 @@
               <a:buNone/>
               <a:defRPr/>
             </a:pPr>
-            <a:endParaRPr lang="en-US" altLang="ko-KR" b="1" dirty="0" smtClean="0">
+            <a:endParaRPr lang="en-US" altLang="ko-KR" b="1" dirty="0">
               <a:ea typeface="Microsoft Sans Serif" panose="020B0604020202020204" pitchFamily="34" charset="0"/>
             </a:endParaRPr>
           </a:p>
@@ -11264,14 +11304,11 @@
               <a:defRPr/>
             </a:pPr>
             <a:r>
-              <a:rPr lang="en-US" altLang="ko-KR" b="1" dirty="0" smtClean="0">
+              <a:rPr lang="en-US" altLang="ko-KR" b="1" dirty="0">
                 <a:ea typeface="Microsoft Sans Serif" panose="020B0604020202020204" pitchFamily="34" charset="0"/>
               </a:rPr>
               <a:t>                                          Figure P10.4</a:t>
             </a:r>
-            <a:endParaRPr lang="en-US" altLang="ko-KR" b="1" dirty="0">
-              <a:ea typeface="Microsoft Sans Serif" panose="020B0604020202020204" pitchFamily="34" charset="0"/>
-            </a:endParaRPr>
           </a:p>
         </p:txBody>
       </p:sp>
@@ -11315,14 +11352,18 @@
   <p:clrMapOvr>
     <a:masterClrMapping/>
   </p:clrMapOvr>
-  <p:transition spd="med"/>
-  <p:timing>
-    <p:tnLst>
-      <p:par>
-        <p:cTn id="1" dur="indefinite" restart="never" nodeType="tmRoot"/>
-      </p:par>
-    </p:tnLst>
-  </p:timing>
+  <mc:AlternateContent xmlns:mc="http://schemas.openxmlformats.org/markup-compatibility/2006">
+    <mc:Choice xmlns:p159="http://schemas.microsoft.com/office/powerpoint/2015/09/main" Requires="p159">
+      <p:transition>
+        <p159:morph option="byChar"/>
+      </p:transition>
+    </mc:Choice>
+    <mc:Fallback>
+      <p:transition>
+        <p:fade/>
+      </p:transition>
+    </mc:Fallback>
+  </mc:AlternateContent>
 </p:sld>
 </file>
 
@@ -11360,10 +11401,10 @@
           <a:p>
             <a:pPr eaLnBrk="1" hangingPunct="1"/>
             <a:r>
-              <a:rPr lang="en-US" altLang="ko-KR" sz="2400" dirty="0" smtClean="0"/>
+              <a:rPr lang="en-US" altLang="ko-KR" sz="2400" dirty="0"/>
               <a:t>Homework #4</a:t>
             </a:r>
-            <a:endParaRPr lang="ko-KR" altLang="en-US" sz="2400" dirty="0" smtClean="0"/>
+            <a:endParaRPr lang="ko-KR" altLang="en-US" sz="2400" dirty="0"/>
           </a:p>
         </p:txBody>
       </p:sp>
@@ -11392,7 +11433,7 @@
               <a:defRPr/>
             </a:pPr>
             <a:r>
-              <a:rPr lang="en-US" altLang="ko-KR" sz="2800" b="1" dirty="0" smtClean="0">
+              <a:rPr lang="en-US" altLang="ko-KR" sz="2800" b="1" dirty="0">
                 <a:solidFill>
                   <a:srgbClr val="0070C0"/>
                 </a:solidFill>
@@ -11407,7 +11448,7 @@
               <a:buAutoNum type="arabicPeriod" startAt="2"/>
               <a:defRPr/>
             </a:pPr>
-            <a:endParaRPr lang="en-US" altLang="ko-KR" b="1" dirty="0" smtClean="0">
+            <a:endParaRPr lang="en-US" altLang="ko-KR" b="1" dirty="0">
               <a:ea typeface="Microsoft Sans Serif" panose="020B0604020202020204" pitchFamily="34" charset="0"/>
             </a:endParaRPr>
           </a:p>
@@ -11417,73 +11458,49 @@
               <a:defRPr/>
             </a:pPr>
             <a:r>
-              <a:rPr lang="en-US" altLang="ko-KR" b="1" dirty="0" smtClean="0">
+              <a:rPr lang="en-US" altLang="ko-KR" b="1" dirty="0">
                 <a:ea typeface="Microsoft Sans Serif" panose="020B0604020202020204" pitchFamily="34" charset="0"/>
               </a:rPr>
               <a:t>5.  Determine the waveform of the output voltage if v</a:t>
             </a:r>
             <a:r>
-              <a:rPr lang="en-US" altLang="ko-KR" b="1" baseline="-25000" dirty="0" smtClean="0">
+              <a:rPr lang="en-US" altLang="ko-KR" b="1" baseline="-25000" dirty="0">
                 <a:ea typeface="Microsoft Sans Serif" panose="020B0604020202020204" pitchFamily="34" charset="0"/>
               </a:rPr>
               <a:t>i</a:t>
             </a:r>
             <a:r>
-              <a:rPr lang="en-US" altLang="ko-KR" b="1" dirty="0" smtClean="0">
+              <a:rPr lang="en-US" altLang="ko-KR" b="1" dirty="0">
                 <a:ea typeface="Microsoft Sans Serif" panose="020B0604020202020204" pitchFamily="34" charset="0"/>
               </a:rPr>
               <a:t>(t)=0 at t=0.</a:t>
             </a:r>
             <a:br>
-              <a:rPr lang="en-US" altLang="ko-KR" b="1" dirty="0" smtClean="0">
+              <a:rPr lang="en-US" altLang="ko-KR" b="1" dirty="0">
                 <a:ea typeface="Microsoft Sans Serif" panose="020B0604020202020204" pitchFamily="34" charset="0"/>
               </a:rPr>
             </a:br>
-            <a:r>
-              <a:rPr lang="en-US" altLang="ko-KR" b="1" dirty="0" smtClean="0">
-                <a:ea typeface="Microsoft Sans Serif" panose="020B0604020202020204" pitchFamily="34" charset="0"/>
-              </a:rPr>
-              <a:t/>
-            </a:r>
             <a:br>
-              <a:rPr lang="en-US" altLang="ko-KR" b="1" dirty="0" smtClean="0">
+              <a:rPr lang="en-US" altLang="ko-KR" b="1" dirty="0">
                 <a:ea typeface="Microsoft Sans Serif" panose="020B0604020202020204" pitchFamily="34" charset="0"/>
               </a:rPr>
             </a:br>
-            <a:r>
-              <a:rPr lang="en-US" altLang="ko-KR" b="1" dirty="0" smtClean="0">
-                <a:ea typeface="Microsoft Sans Serif" panose="020B0604020202020204" pitchFamily="34" charset="0"/>
-              </a:rPr>
-              <a:t/>
-            </a:r>
             <a:br>
-              <a:rPr lang="en-US" altLang="ko-KR" b="1" dirty="0" smtClean="0">
+              <a:rPr lang="en-US" altLang="ko-KR" b="1" dirty="0">
                 <a:ea typeface="Microsoft Sans Serif" panose="020B0604020202020204" pitchFamily="34" charset="0"/>
               </a:rPr>
             </a:br>
-            <a:r>
-              <a:rPr lang="en-US" altLang="ko-KR" b="1" dirty="0" smtClean="0">
-                <a:ea typeface="Microsoft Sans Serif" panose="020B0604020202020204" pitchFamily="34" charset="0"/>
-              </a:rPr>
-              <a:t/>
-            </a:r>
             <a:br>
-              <a:rPr lang="en-US" altLang="ko-KR" b="1" dirty="0" smtClean="0">
+              <a:rPr lang="en-US" altLang="ko-KR" b="1" dirty="0">
                 <a:ea typeface="Microsoft Sans Serif" panose="020B0604020202020204" pitchFamily="34" charset="0"/>
               </a:rPr>
             </a:br>
-            <a:r>
-              <a:rPr lang="en-US" altLang="ko-KR" b="1" dirty="0" smtClean="0">
-                <a:ea typeface="Microsoft Sans Serif" panose="020B0604020202020204" pitchFamily="34" charset="0"/>
-              </a:rPr>
-              <a:t/>
-            </a:r>
             <a:br>
-              <a:rPr lang="en-US" altLang="ko-KR" b="1" dirty="0" smtClean="0">
+              <a:rPr lang="en-US" altLang="ko-KR" b="1" dirty="0">
                 <a:ea typeface="Microsoft Sans Serif" panose="020B0604020202020204" pitchFamily="34" charset="0"/>
               </a:rPr>
             </a:br>
-            <a:endParaRPr lang="en-US" altLang="ko-KR" b="1" dirty="0" smtClean="0">
+            <a:endParaRPr lang="en-US" altLang="ko-KR" b="1" dirty="0">
               <a:ea typeface="Microsoft Sans Serif" panose="020B0604020202020204" pitchFamily="34" charset="0"/>
             </a:endParaRPr>
           </a:p>
@@ -11492,7 +11509,7 @@
               <a:buNone/>
               <a:defRPr/>
             </a:pPr>
-            <a:endParaRPr lang="en-US" altLang="ko-KR" b="1" dirty="0" smtClean="0">
+            <a:endParaRPr lang="en-US" altLang="ko-KR" b="1" dirty="0">
               <a:ea typeface="Microsoft Sans Serif" panose="020B0604020202020204" pitchFamily="34" charset="0"/>
             </a:endParaRPr>
           </a:p>
@@ -11501,7 +11518,7 @@
               <a:buNone/>
               <a:defRPr/>
             </a:pPr>
-            <a:endParaRPr lang="en-US" altLang="ko-KR" b="1" dirty="0" smtClean="0">
+            <a:endParaRPr lang="en-US" altLang="ko-KR" b="1" dirty="0">
               <a:ea typeface="Microsoft Sans Serif" panose="020B0604020202020204" pitchFamily="34" charset="0"/>
             </a:endParaRPr>
           </a:p>
@@ -11510,7 +11527,7 @@
               <a:buNone/>
               <a:defRPr/>
             </a:pPr>
-            <a:endParaRPr lang="en-US" altLang="ko-KR" b="1" dirty="0" smtClean="0">
+            <a:endParaRPr lang="en-US" altLang="ko-KR" b="1" dirty="0">
               <a:ea typeface="Microsoft Sans Serif" panose="020B0604020202020204" pitchFamily="34" charset="0"/>
             </a:endParaRPr>
           </a:p>
@@ -11520,14 +11537,11 @@
               <a:defRPr/>
             </a:pPr>
             <a:r>
-              <a:rPr lang="en-US" altLang="ko-KR" b="1" dirty="0" smtClean="0">
+              <a:rPr lang="en-US" altLang="ko-KR" b="1" dirty="0">
                 <a:ea typeface="Microsoft Sans Serif" panose="020B0604020202020204" pitchFamily="34" charset="0"/>
               </a:rPr>
               <a:t>                                          Figure P10.28</a:t>
             </a:r>
-            <a:endParaRPr lang="en-US" altLang="ko-KR" b="1" dirty="0">
-              <a:ea typeface="Microsoft Sans Serif" panose="020B0604020202020204" pitchFamily="34" charset="0"/>
-            </a:endParaRPr>
           </a:p>
         </p:txBody>
       </p:sp>
@@ -11589,14 +11603,18 @@
   <p:clrMapOvr>
     <a:masterClrMapping/>
   </p:clrMapOvr>
-  <p:transition spd="med"/>
-  <p:timing>
-    <p:tnLst>
-      <p:par>
-        <p:cTn id="1" dur="indefinite" restart="never" nodeType="tmRoot"/>
-      </p:par>
-    </p:tnLst>
-  </p:timing>
+  <mc:AlternateContent xmlns:mc="http://schemas.openxmlformats.org/markup-compatibility/2006">
+    <mc:Choice xmlns:p159="http://schemas.microsoft.com/office/powerpoint/2015/09/main" Requires="p159">
+      <p:transition>
+        <p159:morph option="byChar"/>
+      </p:transition>
+    </mc:Choice>
+    <mc:Fallback>
+      <p:transition>
+        <p:fade/>
+      </p:transition>
+    </mc:Fallback>
+  </mc:AlternateContent>
 </p:sld>
 </file>
 
